--- a/Predicting Diabetes Presentation.pptx
+++ b/Predicting Diabetes Presentation.pptx
@@ -1273,7 +1273,7 @@
                 <a14:useLocalDpi xmlns:a14="http://schemas.microsoft.com/office/drawing/2010/main" val="0"/>
               </a:ext>
               <a:ext uri="{96DAC541-7B7A-43D3-8B79-37D633B846F1}">
-                <asvg:svgBlip xmlns:asvg="http://schemas.microsoft.com/office/drawing/2016/SVG/main" xmlns="" r:embed="rId2"/>
+                <asvg:svgBlip xmlns="" xmlns:asvg="http://schemas.microsoft.com/office/drawing/2016/SVG/main" r:embed="rId2"/>
               </a:ext>
             </a:extLst>
           </a:blip>
@@ -1347,7 +1347,7 @@
                 <a14:useLocalDpi xmlns:a14="http://schemas.microsoft.com/office/drawing/2010/main" val="0"/>
               </a:ext>
               <a:ext uri="{96DAC541-7B7A-43D3-8B79-37D633B846F1}">
-                <asvg:svgBlip xmlns:asvg="http://schemas.microsoft.com/office/drawing/2016/SVG/main" xmlns="" r:embed="rId4"/>
+                <asvg:svgBlip xmlns="" xmlns:asvg="http://schemas.microsoft.com/office/drawing/2016/SVG/main" r:embed="rId4"/>
               </a:ext>
             </a:extLst>
           </a:blip>
@@ -1421,7 +1421,7 @@
                 <a14:useLocalDpi xmlns:a14="http://schemas.microsoft.com/office/drawing/2010/main" val="0"/>
               </a:ext>
               <a:ext uri="{96DAC541-7B7A-43D3-8B79-37D633B846F1}">
-                <asvg:svgBlip xmlns:asvg="http://schemas.microsoft.com/office/drawing/2016/SVG/main" xmlns="" r:embed="rId6"/>
+                <asvg:svgBlip xmlns="" xmlns:asvg="http://schemas.microsoft.com/office/drawing/2016/SVG/main" r:embed="rId6"/>
               </a:ext>
             </a:extLst>
           </a:blip>
@@ -1495,7 +1495,7 @@
                 <a14:useLocalDpi xmlns:a14="http://schemas.microsoft.com/office/drawing/2010/main" val="0"/>
               </a:ext>
               <a:ext uri="{96DAC541-7B7A-43D3-8B79-37D633B846F1}">
-                <asvg:svgBlip xmlns:asvg="http://schemas.microsoft.com/office/drawing/2016/SVG/main" xmlns="" r:embed="rId8"/>
+                <asvg:svgBlip xmlns="" xmlns:asvg="http://schemas.microsoft.com/office/drawing/2016/SVG/main" r:embed="rId8"/>
               </a:ext>
             </a:extLst>
           </a:blip>
@@ -1656,7 +1656,7 @@
                 <a14:useLocalDpi xmlns:a14="http://schemas.microsoft.com/office/drawing/2010/main" val="0"/>
               </a:ext>
               <a:ext uri="{96DAC541-7B7A-43D3-8B79-37D633B846F1}">
-                <asvg:svgBlip xmlns:asvg="http://schemas.microsoft.com/office/drawing/2016/SVG/main" xmlns="" r:embed="rId2"/>
+                <asvg:svgBlip xmlns="" xmlns:asvg="http://schemas.microsoft.com/office/drawing/2016/SVG/main" r:embed="rId2"/>
               </a:ext>
             </a:extLst>
           </a:blip>
@@ -1803,7 +1803,7 @@
                 <a14:useLocalDpi xmlns:a14="http://schemas.microsoft.com/office/drawing/2010/main" val="0"/>
               </a:ext>
               <a:ext uri="{96DAC541-7B7A-43D3-8B79-37D633B846F1}">
-                <asvg:svgBlip xmlns:asvg="http://schemas.microsoft.com/office/drawing/2016/SVG/main" xmlns="" r:embed="rId4"/>
+                <asvg:svgBlip xmlns="" xmlns:asvg="http://schemas.microsoft.com/office/drawing/2016/SVG/main" r:embed="rId4"/>
               </a:ext>
             </a:extLst>
           </a:blip>
@@ -1950,7 +1950,7 @@
                 <a14:useLocalDpi xmlns:a14="http://schemas.microsoft.com/office/drawing/2010/main" val="0"/>
               </a:ext>
               <a:ext uri="{96DAC541-7B7A-43D3-8B79-37D633B846F1}">
-                <asvg:svgBlip xmlns:asvg="http://schemas.microsoft.com/office/drawing/2016/SVG/main" xmlns="" r:embed="rId6"/>
+                <asvg:svgBlip xmlns="" xmlns:asvg="http://schemas.microsoft.com/office/drawing/2016/SVG/main" r:embed="rId6"/>
               </a:ext>
             </a:extLst>
           </a:blip>
@@ -2097,7 +2097,7 @@
                 <a14:useLocalDpi xmlns:a14="http://schemas.microsoft.com/office/drawing/2010/main" val="0"/>
               </a:ext>
               <a:ext uri="{96DAC541-7B7A-43D3-8B79-37D633B846F1}">
-                <asvg:svgBlip xmlns:asvg="http://schemas.microsoft.com/office/drawing/2016/SVG/main" xmlns="" r:embed="rId8"/>
+                <asvg:svgBlip xmlns="" xmlns:asvg="http://schemas.microsoft.com/office/drawing/2016/SVG/main" r:embed="rId8"/>
               </a:ext>
             </a:extLst>
           </a:blip>
@@ -2389,7 +2389,7 @@
   </dgm:layoutNode>
   <dgm:extLst>
     <a:ext uri="{68A01E43-0DF5-4B5B-8FA6-DAF915123BFB}">
-      <dgm1612:lstStyle xmlns:dgm1612="http://schemas.microsoft.com/office/drawing/2016/12/diagram" xmlns="">
+      <dgm1612:lstStyle xmlns="" xmlns:dgm1612="http://schemas.microsoft.com/office/drawing/2016/12/diagram">
         <a:lvl1pPr>
           <a:lnSpc>
             <a:spcPct val="100000"/>
@@ -15222,12 +15222,20 @@
           </a:lstStyle>
           <a:p>
             <a:r>
+              <a:rPr lang="en-US" sz="3200" dirty="0" smtClean="0">
+                <a:solidFill>
+                  <a:schemeClr val="bg1"/>
+                </a:solidFill>
+              </a:rPr>
+              <a:t>Body Mass Index </a:t>
+            </a:r>
+            <a:r>
               <a:rPr lang="en-US" sz="3200" dirty="0">
                 <a:solidFill>
                   <a:schemeClr val="bg1"/>
                 </a:solidFill>
               </a:rPr>
-              <a:t>Glucose Outcome – Logistic Regression Model</a:t>
+              <a:t>Outcome – Logistic Regression Model</a:t>
             </a:r>
           </a:p>
         </p:txBody>
@@ -15496,36 +15504,6 @@
           </a:p>
         </p:txBody>
       </p:sp>
-      <p:pic>
-        <p:nvPicPr>
-          <p:cNvPr id="16" name="Content Placeholder 7">
-            <a:extLst>
-              <a:ext uri="{FF2B5EF4-FFF2-40B4-BE49-F238E27FC236}">
-                <a16:creationId xmlns:a16="http://schemas.microsoft.com/office/drawing/2014/main" id="{8E1BDF61-E546-8B50-ECEF-8C2850237D4B}"/>
-              </a:ext>
-            </a:extLst>
-          </p:cNvPr>
-          <p:cNvPicPr>
-            <a:picLocks noChangeAspect="1"/>
-          </p:cNvPicPr>
-          <p:nvPr/>
-        </p:nvPicPr>
-        <p:blipFill>
-          <a:blip r:embed="rId2"/>
-          <a:stretch>
-            <a:fillRect/>
-          </a:stretch>
-        </p:blipFill>
-        <p:spPr>
-          <a:xfrm>
-            <a:off x="12192000" y="1963939"/>
-            <a:ext cx="4273060" cy="4030717"/>
-          </a:xfrm>
-          <a:prstGeom prst="rect">
-            <a:avLst/>
-          </a:prstGeom>
-        </p:spPr>
-      </p:pic>
       <p:sp>
         <p:nvSpPr>
           <p:cNvPr id="17" name="Text Placeholder 4">
@@ -15792,13 +15770,37 @@
       </p:sp>
       <p:pic>
         <p:nvPicPr>
-          <p:cNvPr id="18" name="Content Placeholder 9">
+          <p:cNvPr id="20" name="Picture 19">
             <a:extLst>
               <a:ext uri="{FF2B5EF4-FFF2-40B4-BE49-F238E27FC236}">
-                <a16:creationId xmlns:a16="http://schemas.microsoft.com/office/drawing/2014/main" id="{6E1E336F-117A-D077-EF68-FD4862B106F4}"/>
+                <a16:creationId xmlns:a16="http://schemas.microsoft.com/office/drawing/2014/main" id="{8D7EEE04-C301-85D7-8530-378A1CE6D602}"/>
               </a:ext>
             </a:extLst>
           </p:cNvPr>
+          <p:cNvPicPr>
+            <a:picLocks noChangeAspect="1"/>
+          </p:cNvPicPr>
+          <p:nvPr/>
+        </p:nvPicPr>
+        <p:blipFill>
+          <a:blip r:embed="rId2"/>
+          <a:stretch>
+            <a:fillRect/>
+          </a:stretch>
+        </p:blipFill>
+        <p:spPr>
+          <a:xfrm>
+            <a:off x="10422194" y="6152956"/>
+            <a:ext cx="1769806" cy="705044"/>
+          </a:xfrm>
+          <a:prstGeom prst="rect">
+            <a:avLst/>
+          </a:prstGeom>
+        </p:spPr>
+      </p:pic>
+      <p:pic>
+        <p:nvPicPr>
+          <p:cNvPr id="3" name="Picture 2"/>
           <p:cNvPicPr>
             <a:picLocks noChangeAspect="1"/>
           </p:cNvPicPr>
@@ -15812,8 +15814,8 @@
         </p:blipFill>
         <p:spPr>
           <a:xfrm>
-            <a:off x="17589201" y="1896488"/>
-            <a:ext cx="4262411" cy="4030717"/>
+            <a:off x="10422194" y="1689477"/>
+            <a:ext cx="5343525" cy="3838575"/>
           </a:xfrm>
           <a:prstGeom prst="rect">
             <a:avLst/>
@@ -15822,13 +15824,7 @@
       </p:pic>
       <p:pic>
         <p:nvPicPr>
-          <p:cNvPr id="20" name="Picture 19">
-            <a:extLst>
-              <a:ext uri="{FF2B5EF4-FFF2-40B4-BE49-F238E27FC236}">
-                <a16:creationId xmlns:a16="http://schemas.microsoft.com/office/drawing/2014/main" id="{8D7EEE04-C301-85D7-8530-378A1CE6D602}"/>
-              </a:ext>
-            </a:extLst>
-          </p:cNvPr>
+          <p:cNvPr id="4" name="Picture 3"/>
           <p:cNvPicPr>
             <a:picLocks noChangeAspect="1"/>
           </p:cNvPicPr>
@@ -15842,8 +15838,8 @@
         </p:blipFill>
         <p:spPr>
           <a:xfrm>
-            <a:off x="10422194" y="6152956"/>
-            <a:ext cx="1769806" cy="705044"/>
+            <a:off x="16638994" y="1689477"/>
+            <a:ext cx="5753100" cy="3762375"/>
           </a:xfrm>
           <a:prstGeom prst="rect">
             <a:avLst/>
@@ -16622,7 +16618,7 @@
                 <a16:creationId xmlns:a16="http://schemas.microsoft.com/office/drawing/2014/main" id="{1C7D8CFD-4CBD-9C07-1F0E-062DE9DDC722}"/>
               </a:ext>
               <a:ext uri="{C183D7F6-B498-43B3-948B-1728B52AA6E4}">
-                <adec:decorative xmlns:adec="http://schemas.microsoft.com/office/drawing/2017/decorative" xmlns="" val="0"/>
+                <adec:decorative xmlns="" xmlns:adec="http://schemas.microsoft.com/office/drawing/2017/decorative" val="0"/>
               </a:ext>
             </a:extLst>
           </p:cNvPr>
@@ -16931,7 +16927,7 @@
                 <a16:creationId xmlns:a16="http://schemas.microsoft.com/office/drawing/2014/main" id="{1C7D8CFD-4CBD-9C07-1F0E-062DE9DDC722}"/>
               </a:ext>
               <a:ext uri="{C183D7F6-B498-43B3-948B-1728B52AA6E4}">
-                <adec:decorative xmlns:adec="http://schemas.microsoft.com/office/drawing/2017/decorative" xmlns="" val="0"/>
+                <adec:decorative xmlns="" xmlns:adec="http://schemas.microsoft.com/office/drawing/2017/decorative" val="0"/>
               </a:ext>
             </a:extLst>
           </p:cNvPr>
@@ -17278,7 +17274,7 @@
                 <a16:creationId xmlns:a16="http://schemas.microsoft.com/office/drawing/2014/main" id="{1C7D8CFD-4CBD-9C07-1F0E-062DE9DDC722}"/>
               </a:ext>
               <a:ext uri="{C183D7F6-B498-43B3-948B-1728B52AA6E4}">
-                <adec:decorative xmlns:adec="http://schemas.microsoft.com/office/drawing/2017/decorative" xmlns="" val="0"/>
+                <adec:decorative xmlns="" xmlns:adec="http://schemas.microsoft.com/office/drawing/2017/decorative" val="0"/>
               </a:ext>
             </a:extLst>
           </p:cNvPr>

--- a/Predicting Diabetes Presentation.pptx
+++ b/Predicting Diabetes Presentation.pptx
@@ -141,14 +141,6 @@
     </p:ext>
   </p:extLst>
 </p:presentation>
-</file>
-
-<file path=ppt/revisionInfo.xml><?xml version="1.0" encoding="utf-8"?>
-<p1510:revInfo xmlns:a="http://schemas.openxmlformats.org/drawingml/2006/main" xmlns:r="http://schemas.openxmlformats.org/officeDocument/2006/relationships" xmlns:p1510="http://schemas.microsoft.com/office/powerpoint/2015/10/main">
-  <p1510:revLst>
-    <p1510:client id="{72EFBD67-0FAC-41AB-9698-CB8D7FCF52B4}" v="10" dt="2023-11-29T04:37:52.633"/>
-  </p1510:revLst>
-</p1510:revInfo>
 </file>
 
 <file path=ppt/diagrams/colors1.xml><?xml version="1.0" encoding="utf-8"?>
@@ -1238,13 +1230,6 @@
         </dgm:presLayoutVars>
       </dgm:prSet>
       <dgm:spPr/>
-      <dgm:t>
-        <a:bodyPr/>
-        <a:lstStyle/>
-        <a:p>
-          <a:endParaRPr lang="en-US"/>
-        </a:p>
-      </dgm:t>
     </dgm:pt>
     <dgm:pt modelId="{ECACD5B5-A9AF-450A-9D27-982DB83F3ABD}" type="pres">
       <dgm:prSet presAssocID="{2A95371E-F8AF-4AAF-B32F-C722E6F3749E}" presName="container" presStyleCnt="0">
@@ -1273,7 +1258,7 @@
                 <a14:useLocalDpi xmlns:a14="http://schemas.microsoft.com/office/drawing/2010/main" val="0"/>
               </a:ext>
               <a:ext uri="{96DAC541-7B7A-43D3-8B79-37D633B846F1}">
-                <asvg:svgBlip xmlns="" xmlns:asvg="http://schemas.microsoft.com/office/drawing/2016/SVG/main" r:embed="rId2"/>
+                <asvg:svgBlip xmlns:asvg="http://schemas.microsoft.com/office/drawing/2016/SVG/main" r:embed="rId2"/>
               </a:ext>
             </a:extLst>
           </a:blip>
@@ -1285,13 +1270,6 @@
           <a:noFill/>
         </a:ln>
       </dgm:spPr>
-      <dgm:t>
-        <a:bodyPr/>
-        <a:lstStyle/>
-        <a:p>
-          <a:endParaRPr lang="en-US"/>
-        </a:p>
-      </dgm:t>
       <dgm:extLst>
         <a:ext uri="{E40237B7-FDA0-4F09-8148-C483321AD2D9}">
           <dgm14:cNvPr xmlns:dgm14="http://schemas.microsoft.com/office/drawing/2010/diagram" id="0" name="" descr="DNA"/>
@@ -1310,24 +1288,10 @@
         </dgm:presLayoutVars>
       </dgm:prSet>
       <dgm:spPr/>
-      <dgm:t>
-        <a:bodyPr/>
-        <a:lstStyle/>
-        <a:p>
-          <a:endParaRPr lang="en-US"/>
-        </a:p>
-      </dgm:t>
     </dgm:pt>
     <dgm:pt modelId="{6E1A03F5-6E2A-4DDE-ACAD-DFE9155F30EB}" type="pres">
       <dgm:prSet presAssocID="{8B90B756-8991-4E69-9D41-1B203864FE2F}" presName="sibTrans" presStyleLbl="sibTrans2D1" presStyleIdx="0" presStyleCnt="0"/>
       <dgm:spPr/>
-      <dgm:t>
-        <a:bodyPr/>
-        <a:lstStyle/>
-        <a:p>
-          <a:endParaRPr lang="en-US"/>
-        </a:p>
-      </dgm:t>
     </dgm:pt>
     <dgm:pt modelId="{B6CAF76A-9C99-42FD-B1F5-A1F3CC0A2958}" type="pres">
       <dgm:prSet presAssocID="{C8221D1F-B764-4678-81BA-60FDAFC9ACBA}" presName="compNode" presStyleCnt="0"/>
@@ -1347,7 +1311,7 @@
                 <a14:useLocalDpi xmlns:a14="http://schemas.microsoft.com/office/drawing/2010/main" val="0"/>
               </a:ext>
               <a:ext uri="{96DAC541-7B7A-43D3-8B79-37D633B846F1}">
-                <asvg:svgBlip xmlns="" xmlns:asvg="http://schemas.microsoft.com/office/drawing/2016/SVG/main" r:embed="rId4"/>
+                <asvg:svgBlip xmlns:asvg="http://schemas.microsoft.com/office/drawing/2016/SVG/main" r:embed="rId4"/>
               </a:ext>
             </a:extLst>
           </a:blip>
@@ -1359,13 +1323,6 @@
           <a:noFill/>
         </a:ln>
       </dgm:spPr>
-      <dgm:t>
-        <a:bodyPr/>
-        <a:lstStyle/>
-        <a:p>
-          <a:endParaRPr lang="en-US"/>
-        </a:p>
-      </dgm:t>
       <dgm:extLst>
         <a:ext uri="{E40237B7-FDA0-4F09-8148-C483321AD2D9}">
           <dgm14:cNvPr xmlns:dgm14="http://schemas.microsoft.com/office/drawing/2010/diagram" id="0" name="" descr="Target"/>
@@ -1384,24 +1341,10 @@
         </dgm:presLayoutVars>
       </dgm:prSet>
       <dgm:spPr/>
-      <dgm:t>
-        <a:bodyPr/>
-        <a:lstStyle/>
-        <a:p>
-          <a:endParaRPr lang="en-US"/>
-        </a:p>
-      </dgm:t>
     </dgm:pt>
     <dgm:pt modelId="{EC9EA552-2C7E-416D-904F-6F0588A6C0BC}" type="pres">
       <dgm:prSet presAssocID="{BABF631F-BC44-469A-B1FD-2B085EE1BE19}" presName="sibTrans" presStyleLbl="sibTrans2D1" presStyleIdx="0" presStyleCnt="0"/>
       <dgm:spPr/>
-      <dgm:t>
-        <a:bodyPr/>
-        <a:lstStyle/>
-        <a:p>
-          <a:endParaRPr lang="en-US"/>
-        </a:p>
-      </dgm:t>
     </dgm:pt>
     <dgm:pt modelId="{ECCF3C71-E744-4E26-9355-C877C1C6C088}" type="pres">
       <dgm:prSet presAssocID="{926BF090-4530-487F-81E7-8444FE29F9AE}" presName="compNode" presStyleCnt="0"/>
@@ -1421,7 +1364,7 @@
                 <a14:useLocalDpi xmlns:a14="http://schemas.microsoft.com/office/drawing/2010/main" val="0"/>
               </a:ext>
               <a:ext uri="{96DAC541-7B7A-43D3-8B79-37D633B846F1}">
-                <asvg:svgBlip xmlns="" xmlns:asvg="http://schemas.microsoft.com/office/drawing/2016/SVG/main" r:embed="rId6"/>
+                <asvg:svgBlip xmlns:asvg="http://schemas.microsoft.com/office/drawing/2016/SVG/main" r:embed="rId6"/>
               </a:ext>
             </a:extLst>
           </a:blip>
@@ -1433,13 +1376,6 @@
           <a:noFill/>
         </a:ln>
       </dgm:spPr>
-      <dgm:t>
-        <a:bodyPr/>
-        <a:lstStyle/>
-        <a:p>
-          <a:endParaRPr lang="en-US"/>
-        </a:p>
-      </dgm:t>
       <dgm:extLst>
         <a:ext uri="{E40237B7-FDA0-4F09-8148-C483321AD2D9}">
           <dgm14:cNvPr xmlns:dgm14="http://schemas.microsoft.com/office/drawing/2010/diagram" id="0" name="" descr="Database"/>
@@ -1458,24 +1394,10 @@
         </dgm:presLayoutVars>
       </dgm:prSet>
       <dgm:spPr/>
-      <dgm:t>
-        <a:bodyPr/>
-        <a:lstStyle/>
-        <a:p>
-          <a:endParaRPr lang="en-US"/>
-        </a:p>
-      </dgm:t>
     </dgm:pt>
     <dgm:pt modelId="{912A93D2-CE1F-4F2D-9EE2-3D9786C3EAB6}" type="pres">
       <dgm:prSet presAssocID="{D8135EED-5C22-4D41-B9D9-EBC6DA16FC7E}" presName="sibTrans" presStyleLbl="sibTrans2D1" presStyleIdx="0" presStyleCnt="0"/>
       <dgm:spPr/>
-      <dgm:t>
-        <a:bodyPr/>
-        <a:lstStyle/>
-        <a:p>
-          <a:endParaRPr lang="en-US"/>
-        </a:p>
-      </dgm:t>
     </dgm:pt>
     <dgm:pt modelId="{B9472479-B431-4D34-9F41-801D94C1F9AF}" type="pres">
       <dgm:prSet presAssocID="{52AF9D01-8B97-46D5-B9D9-DDC621AF206F}" presName="compNode" presStyleCnt="0"/>
@@ -1495,7 +1417,7 @@
                 <a14:useLocalDpi xmlns:a14="http://schemas.microsoft.com/office/drawing/2010/main" val="0"/>
               </a:ext>
               <a:ext uri="{96DAC541-7B7A-43D3-8B79-37D633B846F1}">
-                <asvg:svgBlip xmlns="" xmlns:asvg="http://schemas.microsoft.com/office/drawing/2016/SVG/main" r:embed="rId8"/>
+                <asvg:svgBlip xmlns:asvg="http://schemas.microsoft.com/office/drawing/2016/SVG/main" r:embed="rId8"/>
               </a:ext>
             </a:extLst>
           </a:blip>
@@ -1507,13 +1429,6 @@
           <a:noFill/>
         </a:ln>
       </dgm:spPr>
-      <dgm:t>
-        <a:bodyPr/>
-        <a:lstStyle/>
-        <a:p>
-          <a:endParaRPr lang="en-US"/>
-        </a:p>
-      </dgm:t>
       <dgm:extLst>
         <a:ext uri="{E40237B7-FDA0-4F09-8148-C483321AD2D9}">
           <dgm14:cNvPr xmlns:dgm14="http://schemas.microsoft.com/office/drawing/2010/diagram" id="0" name="" descr="Statistics"/>
@@ -1532,28 +1447,21 @@
         </dgm:presLayoutVars>
       </dgm:prSet>
       <dgm:spPr/>
-      <dgm:t>
-        <a:bodyPr/>
-        <a:lstStyle/>
-        <a:p>
-          <a:endParaRPr lang="en-US"/>
-        </a:p>
-      </dgm:t>
     </dgm:pt>
   </dgm:ptLst>
   <dgm:cxnLst>
-    <dgm:cxn modelId="{39D85F2A-05A4-4B34-9DA0-FD6A6EF1B4B8}" type="presOf" srcId="{8B90B756-8991-4E69-9D41-1B203864FE2F}" destId="{6E1A03F5-6E2A-4DDE-ACAD-DFE9155F30EB}" srcOrd="0" destOrd="0" presId="urn:microsoft.com/office/officeart/2018/2/layout/IconCircleList"/>
-    <dgm:cxn modelId="{70854144-5861-404B-AD23-E4443B88622A}" type="presOf" srcId="{2A95371E-F8AF-4AAF-B32F-C722E6F3749E}" destId="{68D6ABAC-9D3E-46D6-B618-EA9E32CF86F3}" srcOrd="0" destOrd="0" presId="urn:microsoft.com/office/officeart/2018/2/layout/IconCircleList"/>
-    <dgm:cxn modelId="{C631E1AA-01F0-4B2F-BA7C-2328A99F21E1}" type="presOf" srcId="{215D20F5-7592-42B5-A608-1E99BC37AE2D}" destId="{CA9511E4-86C1-40C6-A719-5CA2E7033A7A}" srcOrd="0" destOrd="0" presId="urn:microsoft.com/office/officeart/2018/2/layout/IconCircleList"/>
-    <dgm:cxn modelId="{84D5A16B-514D-404D-98A1-CCA0A0042A04}" type="presOf" srcId="{D8135EED-5C22-4D41-B9D9-EBC6DA16FC7E}" destId="{912A93D2-CE1F-4F2D-9EE2-3D9786C3EAB6}" srcOrd="0" destOrd="0" presId="urn:microsoft.com/office/officeart/2018/2/layout/IconCircleList"/>
     <dgm:cxn modelId="{61188308-BD3A-4C10-9925-B6FA506DEE9E}" type="presOf" srcId="{C8221D1F-B764-4678-81BA-60FDAFC9ACBA}" destId="{11A6F066-F4EA-4A4A-8B68-EF15734B1705}" srcOrd="0" destOrd="0" presId="urn:microsoft.com/office/officeart/2018/2/layout/IconCircleList"/>
     <dgm:cxn modelId="{047AB208-4A86-4DC5-BFD6-5DCB2093C799}" type="presOf" srcId="{926BF090-4530-487F-81E7-8444FE29F9AE}" destId="{86E5F8C3-E394-47DB-87E3-E5855B7208E9}" srcOrd="0" destOrd="0" presId="urn:microsoft.com/office/officeart/2018/2/layout/IconCircleList"/>
+    <dgm:cxn modelId="{209BC113-FFE8-4E14-953F-634D3DCB684E}" srcId="{2A95371E-F8AF-4AAF-B32F-C722E6F3749E}" destId="{52AF9D01-8B97-46D5-B9D9-DDC621AF206F}" srcOrd="3" destOrd="0" parTransId="{026CA4DA-98EC-4DA3-9565-96CD58CD91D3}" sibTransId="{A8778C9D-E338-41EC-8EFB-DA46DBFBE16B}"/>
+    <dgm:cxn modelId="{F001A01B-8715-4E5C-84B7-C99F489CE86F}" type="presOf" srcId="{52AF9D01-8B97-46D5-B9D9-DDC621AF206F}" destId="{589DE963-A5DF-46CD-829B-A6628C3D2E06}" srcOrd="0" destOrd="0" presId="urn:microsoft.com/office/officeart/2018/2/layout/IconCircleList"/>
+    <dgm:cxn modelId="{39D85F2A-05A4-4B34-9DA0-FD6A6EF1B4B8}" type="presOf" srcId="{8B90B756-8991-4E69-9D41-1B203864FE2F}" destId="{6E1A03F5-6E2A-4DDE-ACAD-DFE9155F30EB}" srcOrd="0" destOrd="0" presId="urn:microsoft.com/office/officeart/2018/2/layout/IconCircleList"/>
+    <dgm:cxn modelId="{3861C237-2429-4CD1-9496-655C2BF7990A}" srcId="{2A95371E-F8AF-4AAF-B32F-C722E6F3749E}" destId="{215D20F5-7592-42B5-A608-1E99BC37AE2D}" srcOrd="0" destOrd="0" parTransId="{C4240EFE-0483-474E-8665-8FD5EA8A17DB}" sibTransId="{8B90B756-8991-4E69-9D41-1B203864FE2F}"/>
+    <dgm:cxn modelId="{70854144-5861-404B-AD23-E4443B88622A}" type="presOf" srcId="{2A95371E-F8AF-4AAF-B32F-C722E6F3749E}" destId="{68D6ABAC-9D3E-46D6-B618-EA9E32CF86F3}" srcOrd="0" destOrd="0" presId="urn:microsoft.com/office/officeart/2018/2/layout/IconCircleList"/>
+    <dgm:cxn modelId="{84D5A16B-514D-404D-98A1-CCA0A0042A04}" type="presOf" srcId="{D8135EED-5C22-4D41-B9D9-EBC6DA16FC7E}" destId="{912A93D2-CE1F-4F2D-9EE2-3D9786C3EAB6}" srcOrd="0" destOrd="0" presId="urn:microsoft.com/office/officeart/2018/2/layout/IconCircleList"/>
+    <dgm:cxn modelId="{51E9E57E-6673-4DD5-A9FD-A4163CE8C6AB}" srcId="{2A95371E-F8AF-4AAF-B32F-C722E6F3749E}" destId="{C8221D1F-B764-4678-81BA-60FDAFC9ACBA}" srcOrd="1" destOrd="0" parTransId="{7890AC03-BF4B-451C-8B6B-410D11F2A399}" sibTransId="{BABF631F-BC44-469A-B1FD-2B085EE1BE19}"/>
     <dgm:cxn modelId="{4B5D909C-47B4-46CA-A590-1D2DD5D8985B}" type="presOf" srcId="{BABF631F-BC44-469A-B1FD-2B085EE1BE19}" destId="{EC9EA552-2C7E-416D-904F-6F0588A6C0BC}" srcOrd="0" destOrd="0" presId="urn:microsoft.com/office/officeart/2018/2/layout/IconCircleList"/>
-    <dgm:cxn modelId="{F001A01B-8715-4E5C-84B7-C99F489CE86F}" type="presOf" srcId="{52AF9D01-8B97-46D5-B9D9-DDC621AF206F}" destId="{589DE963-A5DF-46CD-829B-A6628C3D2E06}" srcOrd="0" destOrd="0" presId="urn:microsoft.com/office/officeart/2018/2/layout/IconCircleList"/>
+    <dgm:cxn modelId="{C631E1AA-01F0-4B2F-BA7C-2328A99F21E1}" type="presOf" srcId="{215D20F5-7592-42B5-A608-1E99BC37AE2D}" destId="{CA9511E4-86C1-40C6-A719-5CA2E7033A7A}" srcOrd="0" destOrd="0" presId="urn:microsoft.com/office/officeart/2018/2/layout/IconCircleList"/>
     <dgm:cxn modelId="{6F0653F6-6F1C-45EB-AEC4-C9C0EA09EE8D}" srcId="{2A95371E-F8AF-4AAF-B32F-C722E6F3749E}" destId="{926BF090-4530-487F-81E7-8444FE29F9AE}" srcOrd="2" destOrd="0" parTransId="{31035A08-CFBA-4D8A-9E68-3CD58FE399EF}" sibTransId="{D8135EED-5C22-4D41-B9D9-EBC6DA16FC7E}"/>
-    <dgm:cxn modelId="{3861C237-2429-4CD1-9496-655C2BF7990A}" srcId="{2A95371E-F8AF-4AAF-B32F-C722E6F3749E}" destId="{215D20F5-7592-42B5-A608-1E99BC37AE2D}" srcOrd="0" destOrd="0" parTransId="{C4240EFE-0483-474E-8665-8FD5EA8A17DB}" sibTransId="{8B90B756-8991-4E69-9D41-1B203864FE2F}"/>
-    <dgm:cxn modelId="{51E9E57E-6673-4DD5-A9FD-A4163CE8C6AB}" srcId="{2A95371E-F8AF-4AAF-B32F-C722E6F3749E}" destId="{C8221D1F-B764-4678-81BA-60FDAFC9ACBA}" srcOrd="1" destOrd="0" parTransId="{7890AC03-BF4B-451C-8B6B-410D11F2A399}" sibTransId="{BABF631F-BC44-469A-B1FD-2B085EE1BE19}"/>
-    <dgm:cxn modelId="{209BC113-FFE8-4E14-953F-634D3DCB684E}" srcId="{2A95371E-F8AF-4AAF-B32F-C722E6F3749E}" destId="{52AF9D01-8B97-46D5-B9D9-DDC621AF206F}" srcOrd="3" destOrd="0" parTransId="{026CA4DA-98EC-4DA3-9565-96CD58CD91D3}" sibTransId="{A8778C9D-E338-41EC-8EFB-DA46DBFBE16B}"/>
     <dgm:cxn modelId="{DEF41408-7561-4231-A316-A5BE706C1A94}" type="presParOf" srcId="{68D6ABAC-9D3E-46D6-B618-EA9E32CF86F3}" destId="{ECACD5B5-A9AF-450A-9D27-982DB83F3ABD}" srcOrd="0" destOrd="0" presId="urn:microsoft.com/office/officeart/2018/2/layout/IconCircleList"/>
     <dgm:cxn modelId="{86FABA7C-0501-49FF-9807-6E6275429E90}" type="presParOf" srcId="{ECACD5B5-A9AF-450A-9D27-982DB83F3ABD}" destId="{6AB7F0F3-FC77-42FE-A1BE-8AF28402337F}" srcOrd="0" destOrd="0" presId="urn:microsoft.com/office/officeart/2018/2/layout/IconCircleList"/>
     <dgm:cxn modelId="{8964F051-4314-4323-8CF0-72DC6D4AC297}" type="presParOf" srcId="{6AB7F0F3-FC77-42FE-A1BE-8AF28402337F}" destId="{2C686EC5-542E-447D-AB08-81ACE161E3E2}" srcOrd="0" destOrd="0" presId="urn:microsoft.com/office/officeart/2018/2/layout/IconCircleList"/>
@@ -1656,7 +1564,7 @@
                 <a14:useLocalDpi xmlns:a14="http://schemas.microsoft.com/office/drawing/2010/main" val="0"/>
               </a:ext>
               <a:ext uri="{96DAC541-7B7A-43D3-8B79-37D633B846F1}">
-                <asvg:svgBlip xmlns="" xmlns:asvg="http://schemas.microsoft.com/office/drawing/2016/SVG/main" r:embed="rId2"/>
+                <asvg:svgBlip xmlns:asvg="http://schemas.microsoft.com/office/drawing/2016/SVG/main" r:embed="rId2"/>
               </a:ext>
             </a:extLst>
           </a:blip>
@@ -1722,7 +1630,7 @@
         </a:bodyPr>
         <a:lstStyle/>
         <a:p>
-          <a:pPr lvl="0" algn="l" defTabSz="533400">
+          <a:pPr marL="0" lvl="0" indent="0" algn="l" defTabSz="533400">
             <a:lnSpc>
               <a:spcPct val="90000"/>
             </a:lnSpc>
@@ -1732,6 +1640,7 @@
             <a:spcAft>
               <a:spcPct val="35000"/>
             </a:spcAft>
+            <a:buNone/>
           </a:pPr>
           <a:r>
             <a:rPr lang="en-US" sz="1200" kern="1200"/>
@@ -1803,7 +1712,7 @@
                 <a14:useLocalDpi xmlns:a14="http://schemas.microsoft.com/office/drawing/2010/main" val="0"/>
               </a:ext>
               <a:ext uri="{96DAC541-7B7A-43D3-8B79-37D633B846F1}">
-                <asvg:svgBlip xmlns="" xmlns:asvg="http://schemas.microsoft.com/office/drawing/2016/SVG/main" r:embed="rId4"/>
+                <asvg:svgBlip xmlns:asvg="http://schemas.microsoft.com/office/drawing/2016/SVG/main" r:embed="rId4"/>
               </a:ext>
             </a:extLst>
           </a:blip>
@@ -1869,7 +1778,7 @@
         </a:bodyPr>
         <a:lstStyle/>
         <a:p>
-          <a:pPr lvl="0" algn="l" defTabSz="533400">
+          <a:pPr marL="0" lvl="0" indent="0" algn="l" defTabSz="533400">
             <a:lnSpc>
               <a:spcPct val="90000"/>
             </a:lnSpc>
@@ -1879,6 +1788,7 @@
             <a:spcAft>
               <a:spcPct val="35000"/>
             </a:spcAft>
+            <a:buNone/>
           </a:pPr>
           <a:r>
             <a:rPr lang="en-US" sz="1200" kern="1200"/>
@@ -1950,7 +1860,7 @@
                 <a14:useLocalDpi xmlns:a14="http://schemas.microsoft.com/office/drawing/2010/main" val="0"/>
               </a:ext>
               <a:ext uri="{96DAC541-7B7A-43D3-8B79-37D633B846F1}">
-                <asvg:svgBlip xmlns="" xmlns:asvg="http://schemas.microsoft.com/office/drawing/2016/SVG/main" r:embed="rId6"/>
+                <asvg:svgBlip xmlns:asvg="http://schemas.microsoft.com/office/drawing/2016/SVG/main" r:embed="rId6"/>
               </a:ext>
             </a:extLst>
           </a:blip>
@@ -2016,7 +1926,7 @@
         </a:bodyPr>
         <a:lstStyle/>
         <a:p>
-          <a:pPr lvl="0" algn="l" defTabSz="533400">
+          <a:pPr marL="0" lvl="0" indent="0" algn="l" defTabSz="533400">
             <a:lnSpc>
               <a:spcPct val="90000"/>
             </a:lnSpc>
@@ -2026,6 +1936,7 @@
             <a:spcAft>
               <a:spcPct val="35000"/>
             </a:spcAft>
+            <a:buNone/>
           </a:pPr>
           <a:r>
             <a:rPr lang="en-US" sz="1200" kern="1200"/>
@@ -2097,7 +2008,7 @@
                 <a14:useLocalDpi xmlns:a14="http://schemas.microsoft.com/office/drawing/2010/main" val="0"/>
               </a:ext>
               <a:ext uri="{96DAC541-7B7A-43D3-8B79-37D633B846F1}">
-                <asvg:svgBlip xmlns="" xmlns:asvg="http://schemas.microsoft.com/office/drawing/2016/SVG/main" r:embed="rId8"/>
+                <asvg:svgBlip xmlns:asvg="http://schemas.microsoft.com/office/drawing/2016/SVG/main" r:embed="rId8"/>
               </a:ext>
             </a:extLst>
           </a:blip>
@@ -2163,7 +2074,7 @@
         </a:bodyPr>
         <a:lstStyle/>
         <a:p>
-          <a:pPr lvl="0" algn="l" defTabSz="533400">
+          <a:pPr marL="0" lvl="0" indent="0" algn="l" defTabSz="533400">
             <a:lnSpc>
               <a:spcPct val="90000"/>
             </a:lnSpc>
@@ -2173,6 +2084,7 @@
             <a:spcAft>
               <a:spcPct val="35000"/>
             </a:spcAft>
+            <a:buNone/>
           </a:pPr>
           <a:r>
             <a:rPr lang="en-US" sz="1200" kern="1200"/>
@@ -2389,7 +2301,7 @@
   </dgm:layoutNode>
   <dgm:extLst>
     <a:ext uri="{68A01E43-0DF5-4B5B-8FA6-DAF915123BFB}">
-      <dgm1612:lstStyle xmlns="" xmlns:dgm1612="http://schemas.microsoft.com/office/drawing/2016/12/diagram">
+      <dgm1612:lstStyle xmlns:dgm1612="http://schemas.microsoft.com/office/drawing/2016/12/diagram">
         <a:lvl1pPr>
           <a:lnSpc>
             <a:spcPct val="100000"/>
@@ -3517,7 +3429,7 @@
           <a:p>
             <a:fld id="{ECE06F24-416E-4FE9-BE7A-346C8E2A8456}" type="datetimeFigureOut">
               <a:rPr lang="en-US" smtClean="0"/>
-              <a:t>11/29/2023</a:t>
+              <a:t>11/29/23</a:t>
             </a:fld>
             <a:endParaRPr lang="en-US"/>
           </a:p>
@@ -3849,6 +3761,612 @@
           <a:p>
             <a:fld id="{36F9756E-D1BE-492A-B4AD-5962611D9A78}" type="slidenum">
               <a:rPr lang="en-US" smtClean="0"/>
+              <a:t>3</a:t>
+            </a:fld>
+            <a:endParaRPr lang="en-US"/>
+          </a:p>
+        </p:txBody>
+      </p:sp>
+    </p:spTree>
+    <p:extLst>
+      <p:ext uri="{BB962C8B-B14F-4D97-AF65-F5344CB8AC3E}">
+        <p14:creationId xmlns:p14="http://schemas.microsoft.com/office/powerpoint/2010/main" val="3466883838"/>
+      </p:ext>
+    </p:extLst>
+  </p:cSld>
+  <p:clrMapOvr>
+    <a:masterClrMapping/>
+  </p:clrMapOvr>
+</p:notes>
+</file>
+
+<file path=ppt/notesSlides/notesSlide2.xml><?xml version="1.0" encoding="utf-8"?>
+<p:notes xmlns:a="http://schemas.openxmlformats.org/drawingml/2006/main" xmlns:r="http://schemas.openxmlformats.org/officeDocument/2006/relationships" xmlns:p="http://schemas.openxmlformats.org/presentationml/2006/main">
+  <p:cSld>
+    <p:spTree>
+      <p:nvGrpSpPr>
+        <p:cNvPr id="1" name=""/>
+        <p:cNvGrpSpPr/>
+        <p:nvPr/>
+      </p:nvGrpSpPr>
+      <p:grpSpPr>
+        <a:xfrm>
+          <a:off x="0" y="0"/>
+          <a:ext cx="0" cy="0"/>
+          <a:chOff x="0" y="0"/>
+          <a:chExt cx="0" cy="0"/>
+        </a:xfrm>
+      </p:grpSpPr>
+      <p:sp>
+        <p:nvSpPr>
+          <p:cNvPr id="2" name="Slide Image Placeholder 1"/>
+          <p:cNvSpPr>
+            <a:spLocks noGrp="1" noRot="1" noChangeAspect="1"/>
+          </p:cNvSpPr>
+          <p:nvPr>
+            <p:ph type="sldImg"/>
+          </p:nvPr>
+        </p:nvSpPr>
+        <p:spPr/>
+      </p:sp>
+      <p:sp>
+        <p:nvSpPr>
+          <p:cNvPr id="3" name="Notes Placeholder 2"/>
+          <p:cNvSpPr>
+            <a:spLocks noGrp="1"/>
+          </p:cNvSpPr>
+          <p:nvPr>
+            <p:ph type="body" idx="1"/>
+          </p:nvPr>
+        </p:nvSpPr>
+        <p:spPr/>
+        <p:txBody>
+          <a:bodyPr/>
+          <a:lstStyle/>
+          <a:p>
+            <a:pPr marL="0" marR="0" lvl="0" indent="0" algn="l" defTabSz="914400" rtl="0" eaLnBrk="1" fontAlgn="auto" latinLnBrk="0" hangingPunct="1">
+              <a:lnSpc>
+                <a:spcPct val="100000"/>
+              </a:lnSpc>
+              <a:spcBef>
+                <a:spcPts val="0"/>
+              </a:spcBef>
+              <a:spcAft>
+                <a:spcPts val="0"/>
+              </a:spcAft>
+              <a:buClrTx/>
+              <a:buSzTx/>
+              <a:buFontTx/>
+              <a:buNone/>
+              <a:tabLst/>
+              <a:defRPr/>
+            </a:pPr>
+            <a:r>
+              <a:rPr lang="en-US" sz="1800" b="1" dirty="0">
+                <a:effectLst/>
+                <a:latin typeface="Roboto" panose="020F0502020204030204" pitchFamily="34" charset="0"/>
+              </a:rPr>
+              <a:t>Logistic regression </a:t>
+            </a:r>
+            <a:r>
+              <a:rPr lang="en-US" sz="1800" dirty="0">
+                <a:effectLst/>
+                <a:latin typeface="Roboto" panose="020F0502020204030204" pitchFamily="34" charset="0"/>
+              </a:rPr>
+              <a:t>is a statistical method for predicting binary outcomes from data. </a:t>
+            </a:r>
+          </a:p>
+          <a:p>
+            <a:pPr marL="0" marR="0" lvl="0" indent="0" algn="l" defTabSz="914400" rtl="0" eaLnBrk="1" fontAlgn="auto" latinLnBrk="0" hangingPunct="1">
+              <a:lnSpc>
+                <a:spcPct val="100000"/>
+              </a:lnSpc>
+              <a:spcBef>
+                <a:spcPts val="0"/>
+              </a:spcBef>
+              <a:spcAft>
+                <a:spcPts val="0"/>
+              </a:spcAft>
+              <a:buClrTx/>
+              <a:buSzTx/>
+              <a:buFontTx/>
+              <a:buNone/>
+              <a:tabLst/>
+              <a:defRPr/>
+            </a:pPr>
+            <a:endParaRPr lang="en-US" dirty="0">
+              <a:effectLst/>
+            </a:endParaRPr>
+          </a:p>
+          <a:p>
+            <a:pPr marL="0" marR="0" lvl="0" indent="0" algn="l" defTabSz="914400" rtl="0" eaLnBrk="1" fontAlgn="auto" latinLnBrk="0" hangingPunct="1">
+              <a:lnSpc>
+                <a:spcPct val="100000"/>
+              </a:lnSpc>
+              <a:spcBef>
+                <a:spcPts val="0"/>
+              </a:spcBef>
+              <a:spcAft>
+                <a:spcPts val="0"/>
+              </a:spcAft>
+              <a:buClrTx/>
+              <a:buSzTx/>
+              <a:buFontTx/>
+              <a:buNone/>
+              <a:tabLst/>
+              <a:defRPr/>
+            </a:pPr>
+            <a:r>
+              <a:rPr lang="en-US" sz="1800" b="0" dirty="0">
+                <a:effectLst/>
+                <a:latin typeface="Roboto" panose="02000000000000000000" pitchFamily="2" charset="0"/>
+              </a:rPr>
+              <a:t>Random Forest Algorithm </a:t>
+            </a:r>
+            <a:r>
+              <a:rPr lang="en-US" sz="1800" b="0" dirty="0">
+                <a:effectLst/>
+                <a:latin typeface="+mn-lt"/>
+              </a:rPr>
+              <a:t>the </a:t>
+            </a:r>
+            <a:r>
+              <a:rPr lang="en-US" sz="1800" dirty="0">
+                <a:effectLst/>
+                <a:latin typeface="Roboto" panose="02000000000000000000" pitchFamily="2" charset="0"/>
+              </a:rPr>
+              <a:t>random forest algorithm samples</a:t>
+            </a:r>
+            <a:endParaRPr lang="en-US" dirty="0">
+              <a:effectLst/>
+            </a:endParaRPr>
+          </a:p>
+          <a:p>
+            <a:r>
+              <a:rPr lang="en-US" sz="1800" dirty="0">
+                <a:effectLst/>
+                <a:latin typeface="Roboto" panose="02000000000000000000" pitchFamily="2" charset="0"/>
+              </a:rPr>
+              <a:t>the data and build several smaller, simpler decision trees. </a:t>
+            </a:r>
+            <a:endParaRPr lang="en-US" dirty="0">
+              <a:effectLst/>
+            </a:endParaRPr>
+          </a:p>
+          <a:p>
+            <a:endParaRPr lang="en-US" dirty="0"/>
+          </a:p>
+        </p:txBody>
+      </p:sp>
+      <p:sp>
+        <p:nvSpPr>
+          <p:cNvPr id="4" name="Slide Number Placeholder 3"/>
+          <p:cNvSpPr>
+            <a:spLocks noGrp="1"/>
+          </p:cNvSpPr>
+          <p:nvPr>
+            <p:ph type="sldNum" sz="quarter" idx="5"/>
+          </p:nvPr>
+        </p:nvSpPr>
+        <p:spPr/>
+        <p:txBody>
+          <a:bodyPr/>
+          <a:lstStyle/>
+          <a:p>
+            <a:fld id="{36F9756E-D1BE-492A-B4AD-5962611D9A78}" type="slidenum">
+              <a:rPr lang="en-US" smtClean="0"/>
+              <a:t>4</a:t>
+            </a:fld>
+            <a:endParaRPr lang="en-US"/>
+          </a:p>
+        </p:txBody>
+      </p:sp>
+    </p:spTree>
+    <p:extLst>
+      <p:ext uri="{BB962C8B-B14F-4D97-AF65-F5344CB8AC3E}">
+        <p14:creationId xmlns:p14="http://schemas.microsoft.com/office/powerpoint/2010/main" val="2153562569"/>
+      </p:ext>
+    </p:extLst>
+  </p:cSld>
+  <p:clrMapOvr>
+    <a:masterClrMapping/>
+  </p:clrMapOvr>
+</p:notes>
+</file>
+
+<file path=ppt/notesSlides/notesSlide3.xml><?xml version="1.0" encoding="utf-8"?>
+<p:notes xmlns:a="http://schemas.openxmlformats.org/drawingml/2006/main" xmlns:r="http://schemas.openxmlformats.org/officeDocument/2006/relationships" xmlns:p="http://schemas.openxmlformats.org/presentationml/2006/main">
+  <p:cSld>
+    <p:spTree>
+      <p:nvGrpSpPr>
+        <p:cNvPr id="1" name=""/>
+        <p:cNvGrpSpPr/>
+        <p:nvPr/>
+      </p:nvGrpSpPr>
+      <p:grpSpPr>
+        <a:xfrm>
+          <a:off x="0" y="0"/>
+          <a:ext cx="0" cy="0"/>
+          <a:chOff x="0" y="0"/>
+          <a:chExt cx="0" cy="0"/>
+        </a:xfrm>
+      </p:grpSpPr>
+      <p:sp>
+        <p:nvSpPr>
+          <p:cNvPr id="2" name="Slide Image Placeholder 1"/>
+          <p:cNvSpPr>
+            <a:spLocks noGrp="1" noRot="1" noChangeAspect="1"/>
+          </p:cNvSpPr>
+          <p:nvPr>
+            <p:ph type="sldImg"/>
+          </p:nvPr>
+        </p:nvSpPr>
+        <p:spPr/>
+      </p:sp>
+      <p:sp>
+        <p:nvSpPr>
+          <p:cNvPr id="3" name="Notes Placeholder 2"/>
+          <p:cNvSpPr>
+            <a:spLocks noGrp="1"/>
+          </p:cNvSpPr>
+          <p:nvPr>
+            <p:ph type="body" idx="1"/>
+          </p:nvPr>
+        </p:nvSpPr>
+        <p:spPr/>
+        <p:txBody>
+          <a:bodyPr/>
+          <a:lstStyle/>
+          <a:p>
+            <a:r>
+              <a:rPr lang="en-US" sz="1800" dirty="0">
+                <a:effectLst/>
+                <a:latin typeface="Roboto" panose="02000000000000000000" pitchFamily="2" charset="0"/>
+              </a:rPr>
+              <a:t>Accuracy, precision, and recall are especially important for classification models that involve a binary decision problem. Binary decision problems have two possible correct answers: True Positive and True Negative.</a:t>
+            </a:r>
+          </a:p>
+          <a:p>
+            <a:endParaRPr lang="en-US" sz="1800" dirty="0">
+              <a:effectLst/>
+              <a:latin typeface="Roboto" panose="02000000000000000000" pitchFamily="2" charset="0"/>
+            </a:endParaRPr>
+          </a:p>
+          <a:p>
+            <a:pPr marL="0" marR="0" lvl="0" indent="0" algn="l" defTabSz="914400" rtl="0" eaLnBrk="1" fontAlgn="auto" latinLnBrk="0" hangingPunct="1">
+              <a:lnSpc>
+                <a:spcPct val="100000"/>
+              </a:lnSpc>
+              <a:spcBef>
+                <a:spcPts val="0"/>
+              </a:spcBef>
+              <a:spcAft>
+                <a:spcPts val="0"/>
+              </a:spcAft>
+              <a:buClrTx/>
+              <a:buSzTx/>
+              <a:buFontTx/>
+              <a:buNone/>
+              <a:tabLst/>
+              <a:defRPr/>
+            </a:pPr>
+            <a:r>
+              <a:rPr lang="en-US" sz="1800" dirty="0">
+                <a:effectLst/>
+                <a:latin typeface="Roboto" panose="02000000000000000000" pitchFamily="2" charset="0"/>
+              </a:rPr>
+              <a:t>We use a </a:t>
+            </a:r>
+            <a:r>
+              <a:rPr lang="en-US" sz="1800" b="1" dirty="0">
+                <a:effectLst/>
+                <a:latin typeface="Roboto" panose="02000000000000000000" pitchFamily="2" charset="0"/>
+              </a:rPr>
+              <a:t>confusion matrix </a:t>
+            </a:r>
+            <a:r>
+              <a:rPr lang="en-US" sz="1800" dirty="0">
+                <a:effectLst/>
+                <a:latin typeface="Roboto" panose="02000000000000000000" pitchFamily="2" charset="0"/>
+              </a:rPr>
+              <a:t>to measure and gauge the success of a model. </a:t>
+            </a:r>
+            <a:endParaRPr lang="en-US" sz="2800" dirty="0">
+              <a:effectLst/>
+            </a:endParaRPr>
+          </a:p>
+          <a:p>
+            <a:endParaRPr lang="en-US" sz="1800" dirty="0">
+              <a:effectLst/>
+              <a:latin typeface="Roboto" panose="02000000000000000000" pitchFamily="2" charset="0"/>
+            </a:endParaRPr>
+          </a:p>
+          <a:p>
+            <a:endParaRPr lang="en-US" sz="1800" dirty="0">
+              <a:effectLst/>
+              <a:latin typeface="Roboto" panose="02000000000000000000" pitchFamily="2" charset="0"/>
+            </a:endParaRPr>
+          </a:p>
+          <a:p>
+            <a:pPr marL="0" marR="0" lvl="0" indent="0" algn="l" defTabSz="914400" rtl="0" eaLnBrk="1" fontAlgn="auto" latinLnBrk="0" hangingPunct="1">
+              <a:lnSpc>
+                <a:spcPct val="100000"/>
+              </a:lnSpc>
+              <a:spcBef>
+                <a:spcPts val="0"/>
+              </a:spcBef>
+              <a:spcAft>
+                <a:spcPts val="0"/>
+              </a:spcAft>
+              <a:buClrTx/>
+              <a:buSzTx/>
+              <a:buFontTx/>
+              <a:buNone/>
+              <a:tabLst/>
+              <a:defRPr/>
+            </a:pPr>
+            <a:r>
+              <a:rPr lang="en-US" sz="1800" b="1" dirty="0">
+                <a:effectLst/>
+                <a:latin typeface="Roboto" panose="02000000000000000000" pitchFamily="2" charset="0"/>
+              </a:rPr>
+              <a:t>Accuracy </a:t>
+            </a:r>
+            <a:r>
+              <a:rPr lang="en-US" sz="1800" dirty="0">
+                <a:effectLst/>
+                <a:latin typeface="Roboto" panose="02000000000000000000" pitchFamily="2" charset="0"/>
+              </a:rPr>
+              <a:t>is how often the model is correct—the ratio of correctly predicted observations to the total number of observations. </a:t>
+            </a:r>
+            <a:endParaRPr lang="en-US" sz="2800" dirty="0">
+              <a:effectLst/>
+            </a:endParaRPr>
+          </a:p>
+          <a:p>
+            <a:endParaRPr lang="en-US" dirty="0">
+              <a:effectLst/>
+            </a:endParaRPr>
+          </a:p>
+          <a:p>
+            <a:pPr marL="0" marR="0" lvl="0" indent="0" algn="l" defTabSz="914400" rtl="0" eaLnBrk="1" fontAlgn="auto" latinLnBrk="0" hangingPunct="1">
+              <a:lnSpc>
+                <a:spcPct val="100000"/>
+              </a:lnSpc>
+              <a:spcBef>
+                <a:spcPts val="0"/>
+              </a:spcBef>
+              <a:spcAft>
+                <a:spcPts val="0"/>
+              </a:spcAft>
+              <a:buClrTx/>
+              <a:buSzTx/>
+              <a:buFontTx/>
+              <a:buNone/>
+              <a:tabLst/>
+              <a:defRPr/>
+            </a:pPr>
+            <a:r>
+              <a:rPr lang="en-US" sz="1800" b="1" dirty="0">
+                <a:effectLst/>
+                <a:latin typeface="Roboto" panose="02000000000000000000" pitchFamily="2" charset="0"/>
+              </a:rPr>
+              <a:t>Precision </a:t>
+            </a:r>
+            <a:r>
+              <a:rPr lang="en-US" sz="1800" dirty="0">
+                <a:effectLst/>
+                <a:latin typeface="Roboto" panose="02000000000000000000" pitchFamily="2" charset="0"/>
+              </a:rPr>
+              <a:t>is the ratio of correctly predicted positive observations to the total predicted positive observations. </a:t>
+            </a:r>
+            <a:endParaRPr lang="en-US" dirty="0">
+              <a:effectLst/>
+            </a:endParaRPr>
+          </a:p>
+          <a:p>
+            <a:pPr marL="0" marR="0" lvl="0" indent="0" algn="l" defTabSz="914400" rtl="0" eaLnBrk="1" fontAlgn="auto" latinLnBrk="0" hangingPunct="1">
+              <a:lnSpc>
+                <a:spcPct val="100000"/>
+              </a:lnSpc>
+              <a:spcBef>
+                <a:spcPts val="0"/>
+              </a:spcBef>
+              <a:spcAft>
+                <a:spcPts val="0"/>
+              </a:spcAft>
+              <a:buClrTx/>
+              <a:buSzTx/>
+              <a:buFontTx/>
+              <a:buNone/>
+              <a:tabLst/>
+              <a:defRPr/>
+            </a:pPr>
+            <a:r>
+              <a:rPr lang="en-US" sz="1800" dirty="0">
+                <a:effectLst/>
+                <a:latin typeface="Roboto" panose="02000000000000000000" pitchFamily="2" charset="0"/>
+              </a:rPr>
+              <a:t>(i.e., of all the samples classified as having diabetes, how many actually have diabetes?) </a:t>
+            </a:r>
+            <a:endParaRPr lang="en-US" dirty="0">
+              <a:effectLst/>
+            </a:endParaRPr>
+          </a:p>
+          <a:p>
+            <a:endParaRPr lang="en-US" dirty="0"/>
+          </a:p>
+          <a:p>
+            <a:pPr marL="0" marR="0" lvl="0" indent="0" algn="l" defTabSz="914400" rtl="0" eaLnBrk="1" fontAlgn="auto" latinLnBrk="0" hangingPunct="1">
+              <a:lnSpc>
+                <a:spcPct val="100000"/>
+              </a:lnSpc>
+              <a:spcBef>
+                <a:spcPts val="0"/>
+              </a:spcBef>
+              <a:spcAft>
+                <a:spcPts val="0"/>
+              </a:spcAft>
+              <a:buClrTx/>
+              <a:buSzTx/>
+              <a:buFontTx/>
+              <a:buNone/>
+              <a:tabLst/>
+              <a:defRPr/>
+            </a:pPr>
+            <a:r>
+              <a:rPr lang="en-US" sz="1800" b="1" dirty="0">
+                <a:effectLst/>
+                <a:latin typeface="Roboto" panose="02000000000000000000" pitchFamily="2" charset="0"/>
+              </a:rPr>
+              <a:t>Recall </a:t>
+            </a:r>
+            <a:r>
+              <a:rPr lang="en-US" sz="1800" dirty="0">
+                <a:effectLst/>
+                <a:latin typeface="Roboto" panose="02000000000000000000" pitchFamily="2" charset="0"/>
+              </a:rPr>
+              <a:t>is the ratio of correctly predicted positive observations to all predicted observations for that class. </a:t>
+            </a:r>
+            <a:endParaRPr lang="en-US" dirty="0">
+              <a:effectLst/>
+            </a:endParaRPr>
+          </a:p>
+          <a:p>
+            <a:pPr marL="0" marR="0" lvl="0" indent="0" algn="l" defTabSz="914400" rtl="0" eaLnBrk="1" fontAlgn="auto" latinLnBrk="0" hangingPunct="1">
+              <a:lnSpc>
+                <a:spcPct val="100000"/>
+              </a:lnSpc>
+              <a:spcBef>
+                <a:spcPts val="0"/>
+              </a:spcBef>
+              <a:spcAft>
+                <a:spcPts val="0"/>
+              </a:spcAft>
+              <a:buClrTx/>
+              <a:buSzTx/>
+              <a:buFontTx/>
+              <a:buNone/>
+              <a:tabLst/>
+              <a:defRPr/>
+            </a:pPr>
+            <a:r>
+              <a:rPr lang="en-US" sz="1800" dirty="0">
+                <a:effectLst/>
+                <a:latin typeface="Roboto" panose="02000000000000000000" pitchFamily="2" charset="0"/>
+              </a:rPr>
+              <a:t>(i.e., of all of the actual diabetes samples, how many were correctly classified as having diabetes?) </a:t>
+            </a:r>
+            <a:endParaRPr lang="en-US" dirty="0">
+              <a:effectLst/>
+            </a:endParaRPr>
+          </a:p>
+          <a:p>
+            <a:endParaRPr lang="en-US" dirty="0"/>
+          </a:p>
+        </p:txBody>
+      </p:sp>
+      <p:sp>
+        <p:nvSpPr>
+          <p:cNvPr id="4" name="Slide Number Placeholder 3"/>
+          <p:cNvSpPr>
+            <a:spLocks noGrp="1"/>
+          </p:cNvSpPr>
+          <p:nvPr>
+            <p:ph type="sldNum" sz="quarter" idx="5"/>
+          </p:nvPr>
+        </p:nvSpPr>
+        <p:spPr/>
+        <p:txBody>
+          <a:bodyPr/>
+          <a:lstStyle/>
+          <a:p>
+            <a:fld id="{36F9756E-D1BE-492A-B4AD-5962611D9A78}" type="slidenum">
+              <a:rPr lang="en-US" smtClean="0"/>
+              <a:t>5</a:t>
+            </a:fld>
+            <a:endParaRPr lang="en-US"/>
+          </a:p>
+        </p:txBody>
+      </p:sp>
+    </p:spTree>
+    <p:extLst>
+      <p:ext uri="{BB962C8B-B14F-4D97-AF65-F5344CB8AC3E}">
+        <p14:creationId xmlns:p14="http://schemas.microsoft.com/office/powerpoint/2010/main" val="2881857460"/>
+      </p:ext>
+    </p:extLst>
+  </p:cSld>
+  <p:clrMapOvr>
+    <a:masterClrMapping/>
+  </p:clrMapOvr>
+</p:notes>
+</file>
+
+<file path=ppt/notesSlides/notesSlide4.xml><?xml version="1.0" encoding="utf-8"?>
+<p:notes xmlns:a="http://schemas.openxmlformats.org/drawingml/2006/main" xmlns:r="http://schemas.openxmlformats.org/officeDocument/2006/relationships" xmlns:p="http://schemas.openxmlformats.org/presentationml/2006/main">
+  <p:cSld>
+    <p:spTree>
+      <p:nvGrpSpPr>
+        <p:cNvPr id="1" name=""/>
+        <p:cNvGrpSpPr/>
+        <p:nvPr/>
+      </p:nvGrpSpPr>
+      <p:grpSpPr>
+        <a:xfrm>
+          <a:off x="0" y="0"/>
+          <a:ext cx="0" cy="0"/>
+          <a:chOff x="0" y="0"/>
+          <a:chExt cx="0" cy="0"/>
+        </a:xfrm>
+      </p:grpSpPr>
+      <p:sp>
+        <p:nvSpPr>
+          <p:cNvPr id="2" name="Slide Image Placeholder 1"/>
+          <p:cNvSpPr>
+            <a:spLocks noGrp="1" noRot="1" noChangeAspect="1"/>
+          </p:cNvSpPr>
+          <p:nvPr>
+            <p:ph type="sldImg"/>
+          </p:nvPr>
+        </p:nvSpPr>
+        <p:spPr/>
+      </p:sp>
+      <p:sp>
+        <p:nvSpPr>
+          <p:cNvPr id="3" name="Notes Placeholder 2"/>
+          <p:cNvSpPr>
+            <a:spLocks noGrp="1"/>
+          </p:cNvSpPr>
+          <p:nvPr>
+            <p:ph type="body" idx="1"/>
+          </p:nvPr>
+        </p:nvSpPr>
+        <p:spPr/>
+        <p:txBody>
+          <a:bodyPr/>
+          <a:lstStyle/>
+          <a:p>
+            <a:endParaRPr lang="en-US" dirty="0"/>
+          </a:p>
+        </p:txBody>
+      </p:sp>
+      <p:sp>
+        <p:nvSpPr>
+          <p:cNvPr id="4" name="Slide Number Placeholder 3"/>
+          <p:cNvSpPr>
+            <a:spLocks noGrp="1"/>
+          </p:cNvSpPr>
+          <p:nvPr>
+            <p:ph type="sldNum" sz="quarter" idx="5"/>
+          </p:nvPr>
+        </p:nvSpPr>
+        <p:spPr/>
+        <p:txBody>
+          <a:bodyPr/>
+          <a:lstStyle/>
+          <a:p>
+            <a:fld id="{36F9756E-D1BE-492A-B4AD-5962611D9A78}" type="slidenum">
+              <a:rPr lang="en-US" smtClean="0"/>
               <a:t>16</a:t>
             </a:fld>
             <a:endParaRPr lang="en-US"/>
@@ -4001,7 +4519,7 @@
           <a:p>
             <a:fld id="{E0D4D648-79E3-406C-889D-B77647E82D44}" type="datetimeFigureOut">
               <a:rPr lang="en-US" smtClean="0"/>
-              <a:t>11/29/2023</a:t>
+              <a:t>11/29/23</a:t>
             </a:fld>
             <a:endParaRPr lang="en-US"/>
           </a:p>
@@ -4288,7 +4806,7 @@
           <a:p>
             <a:fld id="{E0D4D648-79E3-406C-889D-B77647E82D44}" type="datetimeFigureOut">
               <a:rPr lang="en-US" smtClean="0"/>
-              <a:t>11/29/2023</a:t>
+              <a:t>11/29/23</a:t>
             </a:fld>
             <a:endParaRPr lang="en-US"/>
           </a:p>
@@ -4480,7 +4998,7 @@
           <a:p>
             <a:fld id="{E0D4D648-79E3-406C-889D-B77647E82D44}" type="datetimeFigureOut">
               <a:rPr lang="en-US" smtClean="0"/>
-              <a:t>11/29/2023</a:t>
+              <a:t>11/29/23</a:t>
             </a:fld>
             <a:endParaRPr lang="en-US"/>
           </a:p>
@@ -4741,7 +5259,7 @@
           <a:p>
             <a:fld id="{E0D4D648-79E3-406C-889D-B77647E82D44}" type="datetimeFigureOut">
               <a:rPr lang="en-US" smtClean="0"/>
-              <a:t>11/29/2023</a:t>
+              <a:t>11/29/23</a:t>
             </a:fld>
             <a:endParaRPr lang="en-US"/>
           </a:p>
@@ -5165,7 +5683,7 @@
           <a:p>
             <a:fld id="{E0D4D648-79E3-406C-889D-B77647E82D44}" type="datetimeFigureOut">
               <a:rPr lang="en-US" smtClean="0"/>
-              <a:t>11/29/2023</a:t>
+              <a:t>11/29/23</a:t>
             </a:fld>
             <a:endParaRPr lang="en-US"/>
           </a:p>
@@ -5711,7 +6229,7 @@
           <a:p>
             <a:fld id="{E0D4D648-79E3-406C-889D-B77647E82D44}" type="datetimeFigureOut">
               <a:rPr lang="en-US" smtClean="0"/>
-              <a:t>11/29/2023</a:t>
+              <a:t>11/29/23</a:t>
             </a:fld>
             <a:endParaRPr lang="en-US"/>
           </a:p>
@@ -6551,7 +7069,7 @@
           <a:p>
             <a:fld id="{E0D4D648-79E3-406C-889D-B77647E82D44}" type="datetimeFigureOut">
               <a:rPr lang="en-US" smtClean="0"/>
-              <a:t>11/29/2023</a:t>
+              <a:t>11/29/23</a:t>
             </a:fld>
             <a:endParaRPr lang="en-US"/>
           </a:p>
@@ -6721,7 +7239,7 @@
           <a:p>
             <a:fld id="{E0D4D648-79E3-406C-889D-B77647E82D44}" type="datetimeFigureOut">
               <a:rPr lang="en-US" smtClean="0"/>
-              <a:t>11/29/2023</a:t>
+              <a:t>11/29/23</a:t>
             </a:fld>
             <a:endParaRPr lang="en-US"/>
           </a:p>
@@ -6905,7 +7423,7 @@
           <a:p>
             <a:fld id="{E0D4D648-79E3-406C-889D-B77647E82D44}" type="datetimeFigureOut">
               <a:rPr lang="en-US" smtClean="0"/>
-              <a:t>11/29/2023</a:t>
+              <a:t>11/29/23</a:t>
             </a:fld>
             <a:endParaRPr lang="en-US"/>
           </a:p>
@@ -7075,7 +7593,7 @@
           <a:p>
             <a:fld id="{E0D4D648-79E3-406C-889D-B77647E82D44}" type="datetimeFigureOut">
               <a:rPr lang="en-US" smtClean="0"/>
-              <a:t>11/29/2023</a:t>
+              <a:t>11/29/23</a:t>
             </a:fld>
             <a:endParaRPr lang="en-US"/>
           </a:p>
@@ -7323,7 +7841,7 @@
           <a:p>
             <a:fld id="{E0D4D648-79E3-406C-889D-B77647E82D44}" type="datetimeFigureOut">
               <a:rPr lang="en-US" smtClean="0"/>
-              <a:t>11/29/2023</a:t>
+              <a:t>11/29/23</a:t>
             </a:fld>
             <a:endParaRPr lang="en-US"/>
           </a:p>
@@ -7560,7 +8078,7 @@
           <a:p>
             <a:fld id="{E0D4D648-79E3-406C-889D-B77647E82D44}" type="datetimeFigureOut">
               <a:rPr lang="en-US" smtClean="0"/>
-              <a:t>11/29/2023</a:t>
+              <a:t>11/29/23</a:t>
             </a:fld>
             <a:endParaRPr lang="en-US"/>
           </a:p>
@@ -7933,7 +8451,7 @@
           <a:p>
             <a:fld id="{E0D4D648-79E3-406C-889D-B77647E82D44}" type="datetimeFigureOut">
               <a:rPr lang="en-US" smtClean="0"/>
-              <a:t>11/29/2023</a:t>
+              <a:t>11/29/23</a:t>
             </a:fld>
             <a:endParaRPr lang="en-US"/>
           </a:p>
@@ -8051,7 +8569,7 @@
           <a:p>
             <a:fld id="{E0D4D648-79E3-406C-889D-B77647E82D44}" type="datetimeFigureOut">
               <a:rPr lang="en-US" smtClean="0"/>
-              <a:t>11/29/2023</a:t>
+              <a:t>11/29/23</a:t>
             </a:fld>
             <a:endParaRPr lang="en-US"/>
           </a:p>
@@ -8146,7 +8664,7 @@
           <a:p>
             <a:fld id="{E0D4D648-79E3-406C-889D-B77647E82D44}" type="datetimeFigureOut">
               <a:rPr lang="en-US" smtClean="0"/>
-              <a:t>11/29/2023</a:t>
+              <a:t>11/29/23</a:t>
             </a:fld>
             <a:endParaRPr lang="en-US"/>
           </a:p>
@@ -8397,7 +8915,7 @@
           <a:p>
             <a:fld id="{E0D4D648-79E3-406C-889D-B77647E82D44}" type="datetimeFigureOut">
               <a:rPr lang="en-US" smtClean="0"/>
-              <a:t>11/29/2023</a:t>
+              <a:t>11/29/23</a:t>
             </a:fld>
             <a:endParaRPr lang="en-US"/>
           </a:p>
@@ -8684,7 +9202,7 @@
           <a:p>
             <a:fld id="{E0D4D648-79E3-406C-889D-B77647E82D44}" type="datetimeFigureOut">
               <a:rPr lang="en-US" smtClean="0"/>
-              <a:t>11/29/2023</a:t>
+              <a:t>11/29/23</a:t>
             </a:fld>
             <a:endParaRPr lang="en-US"/>
           </a:p>
@@ -8897,7 +9415,7 @@
           <a:p>
             <a:fld id="{E0D4D648-79E3-406C-889D-B77647E82D44}" type="datetimeFigureOut">
               <a:rPr lang="en-US" smtClean="0"/>
-              <a:t>11/29/2023</a:t>
+              <a:t>11/29/23</a:t>
             </a:fld>
             <a:endParaRPr lang="en-US"/>
           </a:p>
@@ -9477,13 +9995,6 @@
   <p:clrMapOvr>
     <a:masterClrMapping/>
   </p:clrMapOvr>
-  <p:timing>
-    <p:tnLst>
-      <p:par>
-        <p:cTn id="1" dur="indefinite" restart="never" nodeType="tmRoot"/>
-      </p:par>
-    </p:tnLst>
-  </p:timing>
 </p:sld>
 </file>
 
@@ -9556,8 +10067,8 @@
         </p:blipFill>
         <p:spPr>
           <a:xfrm>
-            <a:off x="309990" y="1650125"/>
-            <a:ext cx="8492424" cy="4729654"/>
+            <a:off x="309990" y="1935921"/>
+            <a:ext cx="8492424" cy="4683673"/>
           </a:xfrm>
         </p:spPr>
       </p:pic>
@@ -9576,7 +10087,7 @@
         <p:spPr>
           <a:xfrm>
             <a:off x="9217572" y="1935921"/>
-            <a:ext cx="2643352" cy="2246769"/>
+            <a:ext cx="2643352" cy="1754326"/>
           </a:xfrm>
           <a:prstGeom prst="rect">
             <a:avLst/>
@@ -9590,7 +10101,7 @@
           <a:lstStyle/>
           <a:p>
             <a:r>
-              <a:rPr lang="en-US" sz="2000" dirty="0"/>
+              <a:rPr lang="en-US" dirty="0"/>
               <a:t>The majority of our sample were considered Obese. The majority of individuals were between 20 and 30 years old.</a:t>
             </a:r>
           </a:p>
@@ -9606,13 +10117,6 @@
   <p:clrMapOvr>
     <a:masterClrMapping/>
   </p:clrMapOvr>
-  <p:timing>
-    <p:tnLst>
-      <p:par>
-        <p:cTn id="1" dur="indefinite" restart="never" nodeType="tmRoot"/>
-      </p:par>
-    </p:tnLst>
-  </p:timing>
 </p:sld>
 </file>
 
@@ -9685,8 +10189,8 @@
         </p:blipFill>
         <p:spPr>
           <a:xfrm>
-            <a:off x="352027" y="1935921"/>
-            <a:ext cx="5738648" cy="4314496"/>
+            <a:off x="677917" y="1991711"/>
+            <a:ext cx="5202621" cy="4755930"/>
           </a:xfrm>
         </p:spPr>
       </p:pic>
@@ -9708,8 +10212,8 @@
         </p:nvSpPr>
         <p:spPr>
           <a:xfrm>
-            <a:off x="6558455" y="2249486"/>
-            <a:ext cx="5586248" cy="3541714"/>
+            <a:off x="5980386" y="2249486"/>
+            <a:ext cx="6164317" cy="3541714"/>
           </a:xfrm>
         </p:spPr>
         <p:txBody>
@@ -9733,13 +10237,6 @@
   <p:clrMapOvr>
     <a:masterClrMapping/>
   </p:clrMapOvr>
-  <p:timing>
-    <p:tnLst>
-      <p:par>
-        <p:cTn id="1" dur="indefinite" restart="never" nodeType="tmRoot"/>
-      </p:par>
-    </p:tnLst>
-  </p:timing>
 </p:sld>
 </file>
 
@@ -9869,7 +10366,9 @@
             <a:r>
               <a:rPr lang="en-US" dirty="0">
                 <a:solidFill>
-                  <a:schemeClr val="bg1"/>
+                  <a:schemeClr val="tx1">
+                    <a:lumMod val="65000"/>
+                  </a:schemeClr>
                 </a:solidFill>
               </a:rPr>
               <a:t>Outcome – Logistic Regression Model</a:t>
@@ -10133,7 +10632,9 @@
             <a:r>
               <a:rPr lang="en-US" dirty="0">
                 <a:solidFill>
-                  <a:schemeClr val="bg1"/>
+                  <a:schemeClr val="tx1">
+                    <a:lumMod val="65000"/>
+                  </a:schemeClr>
                 </a:solidFill>
               </a:rPr>
               <a:t>Actual</a:t>
@@ -10427,7 +10928,9 @@
             <a:r>
               <a:rPr lang="en-US" dirty="0">
                 <a:solidFill>
-                  <a:schemeClr val="bg1"/>
+                  <a:schemeClr val="tx1">
+                    <a:lumMod val="65000"/>
+                  </a:schemeClr>
                 </a:solidFill>
               </a:rPr>
               <a:t>Prediction</a:t>
@@ -10496,7 +10999,9 @@
             <a:r>
               <a:rPr lang="en-US" dirty="0">
                 <a:solidFill>
-                  <a:schemeClr val="bg1"/>
+                  <a:schemeClr val="tx1">
+                    <a:lumMod val="65000"/>
+                  </a:schemeClr>
                 </a:solidFill>
               </a:rPr>
               <a:t>Our actual results is a 50-50 split. Our oversample model had a 74% accuracy.</a:t>
@@ -12344,7 +12849,9 @@
             <a:r>
               <a:rPr lang="en-US" dirty="0">
                 <a:solidFill>
-                  <a:schemeClr val="bg1"/>
+                  <a:schemeClr val="tx1">
+                    <a:lumMod val="65000"/>
+                  </a:schemeClr>
                 </a:solidFill>
               </a:rPr>
               <a:t>Age Outcome – Logistic Regression Model</a:t>
@@ -12606,13 +13113,22 @@
           </a:lstStyle>
           <a:p>
             <a:r>
-              <a:rPr lang="en-US" dirty="0">
+              <a:rPr lang="en-US">
                 <a:solidFill>
-                  <a:schemeClr val="bg1"/>
+                  <a:schemeClr val="tx1">
+                    <a:lumMod val="65000"/>
+                  </a:schemeClr>
                 </a:solidFill>
               </a:rPr>
               <a:t>Actual</a:t>
             </a:r>
+            <a:endParaRPr lang="en-US" dirty="0">
+              <a:solidFill>
+                <a:schemeClr val="tx1">
+                  <a:lumMod val="65000"/>
+                </a:schemeClr>
+              </a:solidFill>
+            </a:endParaRPr>
           </a:p>
         </p:txBody>
       </p:sp>
@@ -12900,13 +13416,22 @@
           </a:lstStyle>
           <a:p>
             <a:r>
-              <a:rPr lang="en-US" dirty="0">
+              <a:rPr lang="en-US">
                 <a:solidFill>
-                  <a:schemeClr val="bg1"/>
+                  <a:schemeClr val="tx1">
+                    <a:lumMod val="65000"/>
+                  </a:schemeClr>
                 </a:solidFill>
               </a:rPr>
               <a:t>Prediction</a:t>
             </a:r>
+            <a:endParaRPr lang="en-US" dirty="0">
+              <a:solidFill>
+                <a:schemeClr val="tx1">
+                  <a:lumMod val="65000"/>
+                </a:schemeClr>
+              </a:solidFill>
+            </a:endParaRPr>
           </a:p>
         </p:txBody>
       </p:sp>
@@ -13635,13 +14160,6 @@
       </p:transition>
     </mc:Fallback>
   </mc:AlternateContent>
-  <p:timing>
-    <p:tnLst>
-      <p:par>
-        <p:cTn id="1" dur="indefinite" restart="never" nodeType="tmRoot"/>
-      </p:par>
-    </p:tnLst>
-  </p:timing>
 </p:sld>
 </file>
 
@@ -14438,7 +14956,9 @@
             <a:r>
               <a:rPr lang="en-US" sz="3200" dirty="0">
                 <a:solidFill>
-                  <a:schemeClr val="bg1"/>
+                  <a:schemeClr val="tx1">
+                    <a:lumMod val="65000"/>
+                  </a:schemeClr>
                 </a:solidFill>
               </a:rPr>
               <a:t>Glucose Outcome – Logistic Regression Model</a:t>
@@ -14700,11 +15220,7 @@
           </a:lstStyle>
           <a:p>
             <a:r>
-              <a:rPr lang="en-US" dirty="0">
-                <a:solidFill>
-                  <a:schemeClr val="bg1"/>
-                </a:solidFill>
-              </a:rPr>
+              <a:rPr lang="en-US" dirty="0"/>
               <a:t>Actual</a:t>
             </a:r>
           </a:p>
@@ -14994,13 +15510,10 @@
           </a:lstStyle>
           <a:p>
             <a:r>
-              <a:rPr lang="en-US" dirty="0">
-                <a:solidFill>
-                  <a:schemeClr val="bg1"/>
-                </a:solidFill>
-              </a:rPr>
+              <a:rPr lang="en-US"/>
               <a:t>Prediction</a:t>
             </a:r>
+            <a:endParaRPr lang="en-US" dirty="0"/>
           </a:p>
         </p:txBody>
       </p:sp>
@@ -15086,13 +15599,6 @@
       </p:transition>
     </mc:Fallback>
   </mc:AlternateContent>
-  <p:timing>
-    <p:tnLst>
-      <p:par>
-        <p:cTn id="1" dur="indefinite" restart="never" nodeType="tmRoot"/>
-      </p:par>
-    </p:tnLst>
-  </p:timing>
 </p:sld>
 </file>
 
@@ -15222,20 +15728,14 @@
           </a:lstStyle>
           <a:p>
             <a:r>
-              <a:rPr lang="en-US" sz="3200" dirty="0" smtClean="0">
+              <a:rPr lang="en-US" sz="3200" dirty="0">
                 <a:solidFill>
-                  <a:schemeClr val="bg1"/>
+                  <a:schemeClr val="tx1">
+                    <a:lumMod val="65000"/>
+                  </a:schemeClr>
                 </a:solidFill>
               </a:rPr>
-              <a:t>Body Mass Index </a:t>
-            </a:r>
-            <a:r>
-              <a:rPr lang="en-US" sz="3200" dirty="0">
-                <a:solidFill>
-                  <a:schemeClr val="bg1"/>
-                </a:solidFill>
-              </a:rPr>
-              <a:t>Outcome – Logistic Regression Model</a:t>
+              <a:t>Glucose Outcome – Logistic Regression Model</a:t>
             </a:r>
           </a:p>
         </p:txBody>
@@ -15494,16 +15994,42 @@
           </a:lstStyle>
           <a:p>
             <a:r>
-              <a:rPr lang="en-US" dirty="0">
-                <a:solidFill>
-                  <a:schemeClr val="bg1"/>
-                </a:solidFill>
-              </a:rPr>
+              <a:rPr lang="en-US" dirty="0"/>
               <a:t>Actual</a:t>
             </a:r>
           </a:p>
         </p:txBody>
       </p:sp>
+      <p:pic>
+        <p:nvPicPr>
+          <p:cNvPr id="16" name="Content Placeholder 7">
+            <a:extLst>
+              <a:ext uri="{FF2B5EF4-FFF2-40B4-BE49-F238E27FC236}">
+                <a16:creationId xmlns:a16="http://schemas.microsoft.com/office/drawing/2014/main" id="{8E1BDF61-E546-8B50-ECEF-8C2850237D4B}"/>
+              </a:ext>
+            </a:extLst>
+          </p:cNvPr>
+          <p:cNvPicPr>
+            <a:picLocks noChangeAspect="1"/>
+          </p:cNvPicPr>
+          <p:nvPr/>
+        </p:nvPicPr>
+        <p:blipFill>
+          <a:blip r:embed="rId2"/>
+          <a:stretch>
+            <a:fillRect/>
+          </a:stretch>
+        </p:blipFill>
+        <p:spPr>
+          <a:xfrm>
+            <a:off x="12192000" y="1963939"/>
+            <a:ext cx="4273060" cy="4030717"/>
+          </a:xfrm>
+          <a:prstGeom prst="rect">
+            <a:avLst/>
+          </a:prstGeom>
+        </p:spPr>
+      </p:pic>
       <p:sp>
         <p:nvSpPr>
           <p:cNvPr id="17" name="Text Placeholder 4">
@@ -15758,49 +16284,22 @@
           </a:lstStyle>
           <a:p>
             <a:r>
-              <a:rPr lang="en-US" dirty="0">
-                <a:solidFill>
-                  <a:schemeClr val="bg1"/>
-                </a:solidFill>
-              </a:rPr>
+              <a:rPr lang="en-US"/>
               <a:t>Prediction</a:t>
             </a:r>
+            <a:endParaRPr lang="en-US" dirty="0"/>
           </a:p>
         </p:txBody>
       </p:sp>
       <p:pic>
         <p:nvPicPr>
-          <p:cNvPr id="20" name="Picture 19">
+          <p:cNvPr id="18" name="Content Placeholder 9">
             <a:extLst>
               <a:ext uri="{FF2B5EF4-FFF2-40B4-BE49-F238E27FC236}">
-                <a16:creationId xmlns:a16="http://schemas.microsoft.com/office/drawing/2014/main" id="{8D7EEE04-C301-85D7-8530-378A1CE6D602}"/>
+                <a16:creationId xmlns:a16="http://schemas.microsoft.com/office/drawing/2014/main" id="{6E1E336F-117A-D077-EF68-FD4862B106F4}"/>
               </a:ext>
             </a:extLst>
           </p:cNvPr>
-          <p:cNvPicPr>
-            <a:picLocks noChangeAspect="1"/>
-          </p:cNvPicPr>
-          <p:nvPr/>
-        </p:nvPicPr>
-        <p:blipFill>
-          <a:blip r:embed="rId2"/>
-          <a:stretch>
-            <a:fillRect/>
-          </a:stretch>
-        </p:blipFill>
-        <p:spPr>
-          <a:xfrm>
-            <a:off x="10422194" y="6152956"/>
-            <a:ext cx="1769806" cy="705044"/>
-          </a:xfrm>
-          <a:prstGeom prst="rect">
-            <a:avLst/>
-          </a:prstGeom>
-        </p:spPr>
-      </p:pic>
-      <p:pic>
-        <p:nvPicPr>
-          <p:cNvPr id="3" name="Picture 2"/>
           <p:cNvPicPr>
             <a:picLocks noChangeAspect="1"/>
           </p:cNvPicPr>
@@ -15814,8 +16313,8 @@
         </p:blipFill>
         <p:spPr>
           <a:xfrm>
-            <a:off x="10422194" y="1689477"/>
-            <a:ext cx="5343525" cy="3838575"/>
+            <a:off x="17589201" y="1896488"/>
+            <a:ext cx="4262411" cy="4030717"/>
           </a:xfrm>
           <a:prstGeom prst="rect">
             <a:avLst/>
@@ -15824,7 +16323,13 @@
       </p:pic>
       <p:pic>
         <p:nvPicPr>
-          <p:cNvPr id="4" name="Picture 3"/>
+          <p:cNvPr id="20" name="Picture 19">
+            <a:extLst>
+              <a:ext uri="{FF2B5EF4-FFF2-40B4-BE49-F238E27FC236}">
+                <a16:creationId xmlns:a16="http://schemas.microsoft.com/office/drawing/2014/main" id="{8D7EEE04-C301-85D7-8530-378A1CE6D602}"/>
+              </a:ext>
+            </a:extLst>
+          </p:cNvPr>
           <p:cNvPicPr>
             <a:picLocks noChangeAspect="1"/>
           </p:cNvPicPr>
@@ -15838,8 +16343,8 @@
         </p:blipFill>
         <p:spPr>
           <a:xfrm>
-            <a:off x="16638994" y="1689477"/>
-            <a:ext cx="5753100" cy="3762375"/>
+            <a:off x="10422194" y="6152956"/>
+            <a:ext cx="1769806" cy="705044"/>
           </a:xfrm>
           <a:prstGeom prst="rect">
             <a:avLst/>
@@ -15868,13 +16373,6 @@
       </p:transition>
     </mc:Fallback>
   </mc:AlternateContent>
-  <p:timing>
-    <p:tnLst>
-      <p:par>
-        <p:cTn id="1" dur="indefinite" restart="never" nodeType="tmRoot"/>
-      </p:par>
-    </p:tnLst>
-  </p:timing>
 </p:sld>
 </file>
 
@@ -16223,13 +16721,6 @@
       </p:transition>
     </mc:Fallback>
   </mc:AlternateContent>
-  <p:timing>
-    <p:tnLst>
-      <p:par>
-        <p:cTn id="1" dur="indefinite" restart="never" nodeType="tmRoot"/>
-      </p:par>
-    </p:tnLst>
-  </p:timing>
 </p:sld>
 </file>
 
@@ -16618,7 +17109,7 @@
                 <a16:creationId xmlns:a16="http://schemas.microsoft.com/office/drawing/2014/main" id="{1C7D8CFD-4CBD-9C07-1F0E-062DE9DDC722}"/>
               </a:ext>
               <a:ext uri="{C183D7F6-B498-43B3-948B-1728B52AA6E4}">
-                <adec:decorative xmlns="" xmlns:adec="http://schemas.microsoft.com/office/drawing/2017/decorative" val="0"/>
+                <adec:decorative xmlns:adec="http://schemas.microsoft.com/office/drawing/2017/decorative" val="0"/>
               </a:ext>
             </a:extLst>
           </p:cNvPr>
@@ -16927,7 +17418,7 @@
                 <a16:creationId xmlns:a16="http://schemas.microsoft.com/office/drawing/2014/main" id="{1C7D8CFD-4CBD-9C07-1F0E-062DE9DDC722}"/>
               </a:ext>
               <a:ext uri="{C183D7F6-B498-43B3-948B-1728B52AA6E4}">
-                <adec:decorative xmlns="" xmlns:adec="http://schemas.microsoft.com/office/drawing/2017/decorative" val="0"/>
+                <adec:decorative xmlns:adec="http://schemas.microsoft.com/office/drawing/2017/decorative" val="0"/>
               </a:ext>
             </a:extLst>
           </p:cNvPr>
@@ -16973,7 +17464,7 @@
           <p:nvPr/>
         </p:nvPicPr>
         <p:blipFill>
-          <a:blip r:embed="rId4" cstate="hqprint">
+          <a:blip r:embed="rId4">
             <a:extLst>
               <a:ext uri="{28A0092B-C50C-407E-A947-70E740481C1C}">
                 <a14:useLocalDpi xmlns:a14="http://schemas.microsoft.com/office/drawing/2010/main" val="0"/>
@@ -17016,13 +17507,6 @@
       </p:transition>
     </mc:Fallback>
   </mc:AlternateContent>
-  <p:timing>
-    <p:tnLst>
-      <p:par>
-        <p:cTn id="1" dur="indefinite" restart="never" nodeType="tmRoot"/>
-      </p:par>
-    </p:tnLst>
-  </p:timing>
 </p:sld>
 </file>
 
@@ -17185,13 +17669,6 @@
   <p:clrMapOvr>
     <a:masterClrMapping/>
   </p:clrMapOvr>
-  <p:timing>
-    <p:tnLst>
-      <p:par>
-        <p:cTn id="1" dur="indefinite" restart="never" nodeType="tmRoot"/>
-      </p:par>
-    </p:tnLst>
-  </p:timing>
 </p:sld>
 </file>
 
@@ -17274,7 +17751,7 @@
                 <a16:creationId xmlns:a16="http://schemas.microsoft.com/office/drawing/2014/main" id="{1C7D8CFD-4CBD-9C07-1F0E-062DE9DDC722}"/>
               </a:ext>
               <a:ext uri="{C183D7F6-B498-43B3-948B-1728B52AA6E4}">
-                <adec:decorative xmlns="" xmlns:adec="http://schemas.microsoft.com/office/drawing/2017/decorative" val="0"/>
+                <adec:decorative xmlns:adec="http://schemas.microsoft.com/office/drawing/2017/decorative" val="0"/>
               </a:ext>
             </a:extLst>
           </p:cNvPr>
@@ -17284,7 +17761,7 @@
           <p:nvPr/>
         </p:nvPicPr>
         <p:blipFill>
-          <a:blip r:embed="rId2" cstate="hqprint">
+          <a:blip r:embed="rId2">
             <a:extLst>
               <a:ext uri="{28A0092B-C50C-407E-A947-70E740481C1C}">
                 <a14:useLocalDpi xmlns:a14="http://schemas.microsoft.com/office/drawing/2010/main" val="0"/>
@@ -17399,13 +17876,6 @@
       </p:transition>
     </mc:Fallback>
   </mc:AlternateContent>
-  <p:timing>
-    <p:tnLst>
-      <p:par>
-        <p:cTn id="1" dur="indefinite" restart="never" nodeType="tmRoot"/>
-      </p:par>
-    </p:tnLst>
-  </p:timing>
 </p:sld>
 </file>
 
@@ -17610,13 +18080,6 @@
       </p:transition>
     </mc:Fallback>
   </mc:AlternateContent>
-  <p:timing>
-    <p:tnLst>
-      <p:par>
-        <p:cTn id="1" dur="indefinite" restart="never" nodeType="tmRoot"/>
-      </p:par>
-    </p:tnLst>
-  </p:timing>
 </p:sld>
 </file>
 
@@ -17821,13 +18284,6 @@
       </p:transition>
     </mc:Fallback>
   </mc:AlternateContent>
-  <p:timing>
-    <p:tnLst>
-      <p:par>
-        <p:cTn id="1" dur="indefinite" restart="never" nodeType="tmRoot"/>
-      </p:par>
-    </p:tnLst>
-  </p:timing>
 </p:sld>
 </file>
 
@@ -18068,13 +18524,6 @@
       </p:transition>
     </mc:Fallback>
   </mc:AlternateContent>
-  <p:timing>
-    <p:tnLst>
-      <p:par>
-        <p:cTn id="1" dur="indefinite" restart="never" nodeType="tmRoot"/>
-      </p:par>
-    </p:tnLst>
-  </p:timing>
 </p:sld>
 </file>
 
@@ -19698,7 +20147,7 @@
           <p:nvPr/>
         </p:nvPicPr>
         <p:blipFill>
-          <a:blip r:embed="rId2" cstate="hqprint">
+          <a:blip r:embed="rId2">
             <a:extLst>
               <a:ext uri="{28A0092B-C50C-407E-A947-70E740481C1C}">
                 <a14:useLocalDpi xmlns:a14="http://schemas.microsoft.com/office/drawing/2010/main" val="0"/>
@@ -19734,7 +20183,7 @@
           <p:nvPr/>
         </p:nvPicPr>
         <p:blipFill>
-          <a:blip r:embed="rId3" cstate="hqprint">
+          <a:blip r:embed="rId3">
             <a:extLst>
               <a:ext uri="{28A0092B-C50C-407E-A947-70E740481C1C}">
                 <a14:useLocalDpi xmlns:a14="http://schemas.microsoft.com/office/drawing/2010/main" val="0"/>
@@ -19770,7 +20219,7 @@
           <p:nvPr/>
         </p:nvPicPr>
         <p:blipFill>
-          <a:blip r:embed="rId4" cstate="hqprint">
+          <a:blip r:embed="rId4">
             <a:extLst>
               <a:ext uri="{28A0092B-C50C-407E-A947-70E740481C1C}">
                 <a14:useLocalDpi xmlns:a14="http://schemas.microsoft.com/office/drawing/2010/main" val="0"/>
@@ -19806,7 +20255,7 @@
           <p:nvPr/>
         </p:nvPicPr>
         <p:blipFill>
-          <a:blip r:embed="rId5" cstate="hqprint">
+          <a:blip r:embed="rId5">
             <a:extLst>
               <a:ext uri="{28A0092B-C50C-407E-A947-70E740481C1C}">
                 <a14:useLocalDpi xmlns:a14="http://schemas.microsoft.com/office/drawing/2010/main" val="0"/>
@@ -19842,7 +20291,7 @@
           <p:nvPr/>
         </p:nvPicPr>
         <p:blipFill>
-          <a:blip r:embed="rId6" cstate="hqprint">
+          <a:blip r:embed="rId6">
             <a:extLst>
               <a:ext uri="{28A0092B-C50C-407E-A947-70E740481C1C}">
                 <a14:useLocalDpi xmlns:a14="http://schemas.microsoft.com/office/drawing/2010/main" val="0"/>
@@ -19878,7 +20327,7 @@
           <p:nvPr/>
         </p:nvPicPr>
         <p:blipFill>
-          <a:blip r:embed="rId7" cstate="hqprint">
+          <a:blip r:embed="rId7">
             <a:extLst>
               <a:ext uri="{28A0092B-C50C-407E-A947-70E740481C1C}">
                 <a14:useLocalDpi xmlns:a14="http://schemas.microsoft.com/office/drawing/2010/main" val="0"/>
@@ -19914,7 +20363,7 @@
           <p:nvPr/>
         </p:nvPicPr>
         <p:blipFill>
-          <a:blip r:embed="rId8" cstate="hqprint">
+          <a:blip r:embed="rId8">
             <a:extLst>
               <a:ext uri="{28A0092B-C50C-407E-A947-70E740481C1C}">
                 <a14:useLocalDpi xmlns:a14="http://schemas.microsoft.com/office/drawing/2010/main" val="0"/>
@@ -19950,7 +20399,7 @@
           <p:nvPr/>
         </p:nvPicPr>
         <p:blipFill>
-          <a:blip r:embed="rId9" cstate="hqprint">
+          <a:blip r:embed="rId9">
             <a:extLst>
               <a:ext uri="{28A0092B-C50C-407E-A947-70E740481C1C}">
                 <a14:useLocalDpi xmlns:a14="http://schemas.microsoft.com/office/drawing/2010/main" val="0"/>
@@ -19986,7 +20435,7 @@
           <p:nvPr/>
         </p:nvPicPr>
         <p:blipFill>
-          <a:blip r:embed="rId10" cstate="hqprint">
+          <a:blip r:embed="rId10">
             <a:extLst>
               <a:ext uri="{28A0092B-C50C-407E-A947-70E740481C1C}">
                 <a14:useLocalDpi xmlns:a14="http://schemas.microsoft.com/office/drawing/2010/main" val="0"/>
@@ -20223,7 +20672,7 @@
       </p:sp>
       <p:pic>
         <p:nvPicPr>
-          <p:cNvPr id="7" name="Picture 6" descr="A white card with black text and numbers&#10;&#10;Description automatically generated">
+          <p:cNvPr id="7" name="Picture 6">
             <a:extLst>
               <a:ext uri="{FF2B5EF4-FFF2-40B4-BE49-F238E27FC236}">
                 <a16:creationId xmlns:a16="http://schemas.microsoft.com/office/drawing/2014/main" id="{33DB5425-C7FA-C07D-9BDC-629E1F5781BC}"/>
@@ -20235,22 +20684,21 @@
           </p:cNvPicPr>
           <p:nvPr/>
         </p:nvPicPr>
-        <p:blipFill>
-          <a:blip r:embed="rId2">
+        <p:blipFill rotWithShape="1">
+          <a:blip r:embed="rId3">
             <a:extLst>
               <a:ext uri="{28A0092B-C50C-407E-A947-70E740481C1C}">
                 <a14:useLocalDpi xmlns:a14="http://schemas.microsoft.com/office/drawing/2010/main" val="0"/>
               </a:ext>
             </a:extLst>
           </a:blip>
-          <a:stretch>
-            <a:fillRect/>
-          </a:stretch>
+          <a:srcRect r="42100"/>
+          <a:stretch/>
         </p:blipFill>
         <p:spPr>
           <a:xfrm>
-            <a:off x="6134860" y="2902176"/>
-            <a:ext cx="5847754" cy="1228027"/>
+            <a:off x="6117036" y="2865298"/>
+            <a:ext cx="5882147" cy="1264905"/>
           </a:xfrm>
           <a:prstGeom prst="rect">
             <a:avLst/>
@@ -20272,7 +20720,7 @@
           <p:nvPr/>
         </p:nvPicPr>
         <p:blipFill>
-          <a:blip r:embed="rId3">
+          <a:blip r:embed="rId4">
             <a:extLst>
               <a:ext uri="{28A0092B-C50C-407E-A947-70E740481C1C}">
                 <a14:useLocalDpi xmlns:a14="http://schemas.microsoft.com/office/drawing/2010/main" val="0"/>
@@ -20285,7 +20733,7 @@
         </p:blipFill>
         <p:spPr>
           <a:xfrm>
-            <a:off x="213853" y="2865297"/>
+            <a:off x="254464" y="2865297"/>
             <a:ext cx="5621810" cy="1264906"/>
           </a:xfrm>
           <a:prstGeom prst="rect">
@@ -20303,13 +20751,6 @@
   <p:clrMapOvr>
     <a:masterClrMapping/>
   </p:clrMapOvr>
-  <p:timing>
-    <p:tnLst>
-      <p:par>
-        <p:cTn id="1" dur="indefinite" restart="never" nodeType="tmRoot"/>
-      </p:par>
-    </p:tnLst>
-  </p:timing>
 </p:sld>
 </file>
 
@@ -20460,7 +20901,7 @@
           <p:nvPr/>
         </p:nvPicPr>
         <p:blipFill rotWithShape="1">
-          <a:blip r:embed="rId2">
+          <a:blip r:embed="rId3">
             <a:extLst>
               <a:ext uri="{28A0092B-C50C-407E-A947-70E740481C1C}">
                 <a14:useLocalDpi xmlns:a14="http://schemas.microsoft.com/office/drawing/2010/main" val="0"/>
@@ -20495,7 +20936,7 @@
           <p:nvPr/>
         </p:nvPicPr>
         <p:blipFill rotWithShape="1">
-          <a:blip r:embed="rId3">
+          <a:blip r:embed="rId4">
             <a:extLst>
               <a:ext uri="{28A0092B-C50C-407E-A947-70E740481C1C}">
                 <a14:useLocalDpi xmlns:a14="http://schemas.microsoft.com/office/drawing/2010/main" val="0"/>
@@ -20566,13 +21007,6 @@
   <p:clrMapOvr>
     <a:masterClrMapping/>
   </p:clrMapOvr>
-  <p:timing>
-    <p:tnLst>
-      <p:par>
-        <p:cTn id="1" dur="indefinite" restart="never" nodeType="tmRoot"/>
-      </p:par>
-    </p:tnLst>
-  </p:timing>
 </p:sld>
 </file>
 
@@ -20608,7 +21042,7 @@
           <p:nvPr/>
         </p:nvPicPr>
         <p:blipFill>
-          <a:blip r:embed="rId2">
+          <a:blip r:embed="rId3">
             <a:extLst>
               <a:ext uri="{28A0092B-C50C-407E-A947-70E740481C1C}">
                 <a14:useLocalDpi xmlns:a14="http://schemas.microsoft.com/office/drawing/2010/main" val="0"/>
@@ -20644,7 +21078,7 @@
           <p:nvPr/>
         </p:nvPicPr>
         <p:blipFill>
-          <a:blip r:embed="rId3">
+          <a:blip r:embed="rId4">
             <a:extLst>
               <a:ext uri="{28A0092B-C50C-407E-A947-70E740481C1C}">
                 <a14:useLocalDpi xmlns:a14="http://schemas.microsoft.com/office/drawing/2010/main" val="0"/>
@@ -20657,8 +21091,8 @@
         </p:blipFill>
         <p:spPr>
           <a:xfrm>
-            <a:off x="6496433" y="231998"/>
-            <a:ext cx="5792899" cy="3664009"/>
+            <a:off x="6232664" y="284813"/>
+            <a:ext cx="5709433" cy="3611217"/>
           </a:xfrm>
           <a:prstGeom prst="rect">
             <a:avLst/>
@@ -20683,7 +21117,7 @@
         </p:nvSpPr>
         <p:spPr>
           <a:xfrm>
-            <a:off x="7647970" y="4326819"/>
+            <a:off x="7342468" y="4305239"/>
             <a:ext cx="3489824" cy="952318"/>
           </a:xfrm>
         </p:spPr>
@@ -20983,8 +21417,8 @@
         </p:nvSpPr>
         <p:spPr>
           <a:xfrm>
-            <a:off x="8154649" y="1693889"/>
-            <a:ext cx="884420" cy="314793"/>
+            <a:off x="7890880" y="1746704"/>
+            <a:ext cx="841734" cy="310257"/>
           </a:xfrm>
           <a:prstGeom prst="frame">
             <a:avLst/>
@@ -21089,13 +21523,6 @@
   <p:clrMapOvr>
     <a:masterClrMapping/>
   </p:clrMapOvr>
-  <p:timing>
-    <p:tnLst>
-      <p:par>
-        <p:cTn id="1" dur="indefinite" restart="never" nodeType="tmRoot"/>
-      </p:par>
-    </p:tnLst>
-  </p:timing>
 </p:sld>
 </file>
 
@@ -21150,14 +21577,14 @@
                   <a:srgbClr val="FFFFFF"/>
                 </a:solidFill>
               </a:rPr>
-              <a:t>Final model</a:t>
+              <a:t>Final outcome</a:t>
             </a:r>
           </a:p>
         </p:txBody>
       </p:sp>
       <p:pic>
         <p:nvPicPr>
-          <p:cNvPr id="4" name="Content Placeholder 4" descr="A screenshot of a computer&#10;&#10;Description automatically generated">
+          <p:cNvPr id="4" name="Content Placeholder 4">
             <a:extLst>
               <a:ext uri="{FF2B5EF4-FFF2-40B4-BE49-F238E27FC236}">
                 <a16:creationId xmlns:a16="http://schemas.microsoft.com/office/drawing/2014/main" id="{E7BB0003-D51A-795E-3286-548A130BFEEE}"/>
@@ -21177,14 +21604,13 @@
               </a:ext>
             </a:extLst>
           </a:blip>
-          <a:stretch>
-            <a:fillRect/>
-          </a:stretch>
+          <a:srcRect/>
+          <a:stretch/>
         </p:blipFill>
         <p:spPr>
           <a:xfrm>
-            <a:off x="1137490" y="1436368"/>
-            <a:ext cx="5926045" cy="3985265"/>
+            <a:off x="924443" y="1298476"/>
+            <a:ext cx="6246164" cy="4261048"/>
           </a:xfrm>
           <a:prstGeom prst="rect">
             <a:avLst/>
@@ -21256,13 +21682,6 @@
   <p:clrMapOvr>
     <a:masterClrMapping/>
   </p:clrMapOvr>
-  <p:timing>
-    <p:tnLst>
-      <p:par>
-        <p:cTn id="1" dur="indefinite" restart="never" nodeType="tmRoot"/>
-      </p:par>
-    </p:tnLst>
-  </p:timing>
 </p:sld>
 </file>
 
@@ -21356,13 +21775,6 @@
   <p:clrMapOvr>
     <a:masterClrMapping/>
   </p:clrMapOvr>
-  <p:timing>
-    <p:tnLst>
-      <p:par>
-        <p:cTn id="1" dur="indefinite" restart="never" nodeType="tmRoot"/>
-      </p:par>
-    </p:tnLst>
-  </p:timing>
 </p:sld>
 </file>
 
@@ -21435,8 +21847,8 @@
         </p:blipFill>
         <p:spPr>
           <a:xfrm>
-            <a:off x="357353" y="1935921"/>
-            <a:ext cx="7363068" cy="4286203"/>
+            <a:off x="914400" y="2364213"/>
+            <a:ext cx="5105400" cy="3150337"/>
           </a:xfrm>
         </p:spPr>
       </p:pic>
@@ -21459,7 +21871,7 @@
         <p:spPr>
           <a:xfrm>
             <a:off x="7940566" y="1918138"/>
-            <a:ext cx="4156841" cy="4745420"/>
+            <a:ext cx="3106845" cy="4745420"/>
           </a:xfrm>
         </p:spPr>
         <p:txBody>
@@ -21485,13 +21897,6 @@
   <p:clrMapOvr>
     <a:masterClrMapping/>
   </p:clrMapOvr>
-  <p:timing>
-    <p:tnLst>
-      <p:par>
-        <p:cTn id="1" dur="indefinite" restart="never" nodeType="tmRoot"/>
-      </p:par>
-    </p:tnLst>
-  </p:timing>
 </p:sld>
 </file>
 
@@ -21564,8 +21969,8 @@
         </p:blipFill>
         <p:spPr>
           <a:xfrm>
-            <a:off x="262759" y="1786760"/>
-            <a:ext cx="6211613" cy="4572000"/>
+            <a:off x="740978" y="1786759"/>
+            <a:ext cx="5355022" cy="4929351"/>
           </a:xfrm>
         </p:spPr>
       </p:pic>
@@ -21587,8 +21992,8 @@
         </p:nvSpPr>
         <p:spPr>
           <a:xfrm>
-            <a:off x="6653048" y="1786759"/>
-            <a:ext cx="5355021" cy="4855779"/>
+            <a:off x="6332482" y="1786759"/>
+            <a:ext cx="5675587" cy="4855779"/>
           </a:xfrm>
         </p:spPr>
         <p:txBody>
@@ -21614,13 +22019,6 @@
   <p:clrMapOvr>
     <a:masterClrMapping/>
   </p:clrMapOvr>
-  <p:timing>
-    <p:tnLst>
-      <p:par>
-        <p:cTn id="1" dur="indefinite" restart="never" nodeType="tmRoot"/>
-      </p:par>
-    </p:tnLst>
-  </p:timing>
 </p:sld>
 </file>
 
